--- a/cgartner/F1/CGartner_F1_Poster.pptx
+++ b/cgartner/F1/CGartner_F1_Poster.pptx
@@ -142,12 +142,12 @@
   <pc:docChgLst>
     <pc:chgData name="Charles Gartner" userId="7744f2c7-8fe5-47ef-beea-e148d4ee2f5b" providerId="ADAL" clId="{8AA443A0-2101-744B-B4A7-33AB9F9CA50D}"/>
     <pc:docChg chg="undo custSel modSld">
-      <pc:chgData name="Charles Gartner" userId="7744f2c7-8fe5-47ef-beea-e148d4ee2f5b" providerId="ADAL" clId="{8AA443A0-2101-744B-B4A7-33AB9F9CA50D}" dt="2025-04-15T13:41:41.118" v="1595" actId="1076"/>
+      <pc:chgData name="Charles Gartner" userId="7744f2c7-8fe5-47ef-beea-e148d4ee2f5b" providerId="ADAL" clId="{8AA443A0-2101-744B-B4A7-33AB9F9CA50D}" dt="2025-04-15T13:47:00.553" v="1789" actId="313"/>
       <pc:docMkLst>
         <pc:docMk/>
       </pc:docMkLst>
       <pc:sldChg chg="addSp delSp modSp mod">
-        <pc:chgData name="Charles Gartner" userId="7744f2c7-8fe5-47ef-beea-e148d4ee2f5b" providerId="ADAL" clId="{8AA443A0-2101-744B-B4A7-33AB9F9CA50D}" dt="2025-04-15T13:41:41.118" v="1595" actId="1076"/>
+        <pc:chgData name="Charles Gartner" userId="7744f2c7-8fe5-47ef-beea-e148d4ee2f5b" providerId="ADAL" clId="{8AA443A0-2101-744B-B4A7-33AB9F9CA50D}" dt="2025-04-15T13:47:00.553" v="1789" actId="313"/>
         <pc:sldMkLst>
           <pc:docMk/>
           <pc:sldMk cId="3774079583" sldId="256"/>
@@ -193,7 +193,7 @@
           </ac:spMkLst>
         </pc:spChg>
         <pc:spChg chg="add mod">
-          <ac:chgData name="Charles Gartner" userId="7744f2c7-8fe5-47ef-beea-e148d4ee2f5b" providerId="ADAL" clId="{8AA443A0-2101-744B-B4A7-33AB9F9CA50D}" dt="2025-04-10T15:03:26.698" v="1590" actId="1076"/>
+          <ac:chgData name="Charles Gartner" userId="7744f2c7-8fe5-47ef-beea-e148d4ee2f5b" providerId="ADAL" clId="{8AA443A0-2101-744B-B4A7-33AB9F9CA50D}" dt="2025-04-15T13:46:57.053" v="1788" actId="313"/>
           <ac:spMkLst>
             <pc:docMk/>
             <pc:sldMk cId="3774079583" sldId="256"/>
@@ -233,7 +233,7 @@
           </ac:spMkLst>
         </pc:spChg>
         <pc:spChg chg="add mod">
-          <ac:chgData name="Charles Gartner" userId="7744f2c7-8fe5-47ef-beea-e148d4ee2f5b" providerId="ADAL" clId="{8AA443A0-2101-744B-B4A7-33AB9F9CA50D}" dt="2025-04-10T14:42:15.561" v="1509" actId="122"/>
+          <ac:chgData name="Charles Gartner" userId="7744f2c7-8fe5-47ef-beea-e148d4ee2f5b" providerId="ADAL" clId="{8AA443A0-2101-744B-B4A7-33AB9F9CA50D}" dt="2025-04-15T13:47:00.553" v="1789" actId="313"/>
           <ac:spMkLst>
             <pc:docMk/>
             <pc:sldMk cId="3774079583" sldId="256"/>
@@ -7423,7 +7423,7 @@
         <p:spPr>
           <a:xfrm>
             <a:off x="15532308" y="24960449"/>
-            <a:ext cx="12842095" cy="3693319"/>
+            <a:ext cx="12842095" cy="3139321"/>
           </a:xfrm>
           <a:prstGeom prst="rect">
             <a:avLst/>
@@ -7450,6 +7450,12 @@
               </a:rPr>
               <a:t>What will be learned</a:t>
             </a:r>
+            <a:endParaRPr lang="en-US" sz="3600" dirty="0">
+              <a:solidFill>
+                <a:schemeClr val="bg1"/>
+              </a:solidFill>
+              <a:latin typeface="Garamond" panose="02020404030301010803" pitchFamily="18" charset="0"/>
+            </a:endParaRPr>
           </a:p>
           <a:p>
             <a:pPr marL="571500" indent="-571500">
@@ -7463,8 +7469,23 @@
                 </a:solidFill>
                 <a:latin typeface="Garamond" panose="02020404030301010803" pitchFamily="18" charset="0"/>
               </a:rPr>
-              <a:t>This dataset’s analysis encompasses linear regression, identification of influential points, hypothesis testing, and variable transformation</a:t>
-            </a:r>
+              <a:t>Visualizing 2021 F1 data to observe trends using </a:t>
+            </a:r>
+            <a:r>
+              <a:rPr lang="en-US" sz="3600" dirty="0" err="1">
+                <a:solidFill>
+                  <a:schemeClr val="bg1"/>
+                </a:solidFill>
+                <a:latin typeface="Garamond" panose="02020404030301010803" pitchFamily="18" charset="0"/>
+              </a:rPr>
+              <a:t>ggplot</a:t>
+            </a:r>
+            <a:endParaRPr lang="en-US" sz="3600" dirty="0">
+              <a:solidFill>
+                <a:schemeClr val="bg1"/>
+              </a:solidFill>
+              <a:latin typeface="Garamond" panose="02020404030301010803" pitchFamily="18" charset="0"/>
+            </a:endParaRPr>
           </a:p>
           <a:p>
             <a:pPr marL="571500" indent="-571500">
@@ -7478,7 +7499,7 @@
                 </a:solidFill>
                 <a:latin typeface="Garamond" panose="02020404030301010803" pitchFamily="18" charset="0"/>
               </a:rPr>
-              <a:t>Analyzing 2023 PBR Touring Pro Division data to grasp factors influencing rider and bull performance</a:t>
+              <a:t>Filtering data and creating graphs in order to see relationships between variables and for particular drivers. </a:t>
             </a:r>
           </a:p>
         </p:txBody>
@@ -7553,25 +7574,7 @@
                 </a:solidFill>
                 <a:latin typeface="Garamond" panose="02020404030301010803" pitchFamily="18" charset="0"/>
               </a:rPr>
-              <a:t>Filtered out for only the 2021 season with the divers that </a:t>
-            </a:r>
-            <a:r>
-              <a:rPr lang="en-US" sz="3600" dirty="0" err="1">
-                <a:solidFill>
-                  <a:schemeClr val="bg1"/>
-                </a:solidFill>
-                <a:latin typeface="Garamond" panose="02020404030301010803" pitchFamily="18" charset="0"/>
-              </a:rPr>
-              <a:t>competeted</a:t>
-            </a:r>
-            <a:r>
-              <a:rPr lang="en-US" sz="3600" dirty="0">
-                <a:solidFill>
-                  <a:schemeClr val="bg1"/>
-                </a:solidFill>
-                <a:latin typeface="Garamond" panose="02020404030301010803" pitchFamily="18" charset="0"/>
-              </a:rPr>
-              <a:t> during that season. </a:t>
+              <a:t>Filtered out for only the 2021 season with the divers that competed during that season. </a:t>
             </a:r>
           </a:p>
           <a:p>

--- a/cgartner/F1/CGartner_F1_Poster.pptx
+++ b/cgartner/F1/CGartner_F1_Poster.pptx
@@ -132,7 +132,7 @@
 <file path=ppt/revisionInfo.xml><?xml version="1.0" encoding="utf-8"?>
 <p1510:revInfo xmlns:a="http://schemas.openxmlformats.org/drawingml/2006/main" xmlns:r="http://schemas.openxmlformats.org/officeDocument/2006/relationships" xmlns:p1510="http://schemas.microsoft.com/office/powerpoint/2015/10/main">
   <p1510:revLst>
-    <p1510:client id="{8AA443A0-2101-744B-B4A7-33AB9F9CA50D}" v="33" dt="2025-04-10T15:03:01.782"/>
+    <p1510:client id="{8AA443A0-2101-744B-B4A7-33AB9F9CA50D}" v="40" dt="2025-04-15T13:51:23.368"/>
   </p1510:revLst>
 </p1510:revInfo>
 </file>
@@ -142,12 +142,12 @@
   <pc:docChgLst>
     <pc:chgData name="Charles Gartner" userId="7744f2c7-8fe5-47ef-beea-e148d4ee2f5b" providerId="ADAL" clId="{8AA443A0-2101-744B-B4A7-33AB9F9CA50D}"/>
     <pc:docChg chg="undo custSel modSld">
-      <pc:chgData name="Charles Gartner" userId="7744f2c7-8fe5-47ef-beea-e148d4ee2f5b" providerId="ADAL" clId="{8AA443A0-2101-744B-B4A7-33AB9F9CA50D}" dt="2025-04-15T13:47:00.553" v="1789" actId="313"/>
+      <pc:chgData name="Charles Gartner" userId="7744f2c7-8fe5-47ef-beea-e148d4ee2f5b" providerId="ADAL" clId="{8AA443A0-2101-744B-B4A7-33AB9F9CA50D}" dt="2025-04-15T13:51:26.193" v="1807"/>
       <pc:docMkLst>
         <pc:docMk/>
       </pc:docMkLst>
       <pc:sldChg chg="addSp delSp modSp mod">
-        <pc:chgData name="Charles Gartner" userId="7744f2c7-8fe5-47ef-beea-e148d4ee2f5b" providerId="ADAL" clId="{8AA443A0-2101-744B-B4A7-33AB9F9CA50D}" dt="2025-04-15T13:47:00.553" v="1789" actId="313"/>
+        <pc:chgData name="Charles Gartner" userId="7744f2c7-8fe5-47ef-beea-e148d4ee2f5b" providerId="ADAL" clId="{8AA443A0-2101-744B-B4A7-33AB9F9CA50D}" dt="2025-04-15T13:51:26.193" v="1807"/>
         <pc:sldMkLst>
           <pc:docMk/>
           <pc:sldMk cId="3774079583" sldId="256"/>
@@ -176,8 +176,8 @@
             <ac:spMk id="5" creationId="{B9C82B1F-7276-4A59-26FA-7406D9E0AA55}"/>
           </ac:spMkLst>
         </pc:spChg>
-        <pc:spChg chg="add mod">
-          <ac:chgData name="Charles Gartner" userId="7744f2c7-8fe5-47ef-beea-e148d4ee2f5b" providerId="ADAL" clId="{8AA443A0-2101-744B-B4A7-33AB9F9CA50D}" dt="2025-04-10T14:26:48.840" v="604" actId="1076"/>
+        <pc:spChg chg="add del mod">
+          <ac:chgData name="Charles Gartner" userId="7744f2c7-8fe5-47ef-beea-e148d4ee2f5b" providerId="ADAL" clId="{8AA443A0-2101-744B-B4A7-33AB9F9CA50D}" dt="2025-04-15T13:51:26.193" v="1807"/>
           <ac:spMkLst>
             <pc:docMk/>
             <pc:sldMk cId="3774079583" sldId="256"/>
@@ -265,7 +265,7 @@
           </ac:spMkLst>
         </pc:spChg>
         <pc:spChg chg="add mod">
-          <ac:chgData name="Charles Gartner" userId="7744f2c7-8fe5-47ef-beea-e148d4ee2f5b" providerId="ADAL" clId="{8AA443A0-2101-744B-B4A7-33AB9F9CA50D}" dt="2025-04-10T14:18:30.969" v="433" actId="20577"/>
+          <ac:chgData name="Charles Gartner" userId="7744f2c7-8fe5-47ef-beea-e148d4ee2f5b" providerId="ADAL" clId="{8AA443A0-2101-744B-B4A7-33AB9F9CA50D}" dt="2025-04-15T13:49:32.584" v="1796" actId="20577"/>
           <ac:spMkLst>
             <pc:docMk/>
             <pc:sldMk cId="3774079583" sldId="256"/>
@@ -337,7 +337,7 @@
           </ac:spMkLst>
         </pc:spChg>
         <pc:picChg chg="mod">
-          <ac:chgData name="Charles Gartner" userId="7744f2c7-8fe5-47ef-beea-e148d4ee2f5b" providerId="ADAL" clId="{8AA443A0-2101-744B-B4A7-33AB9F9CA50D}" dt="2025-04-15T13:41:41.118" v="1595" actId="1076"/>
+          <ac:chgData name="Charles Gartner" userId="7744f2c7-8fe5-47ef-beea-e148d4ee2f5b" providerId="ADAL" clId="{8AA443A0-2101-744B-B4A7-33AB9F9CA50D}" dt="2025-04-15T13:50:13.626" v="1797" actId="1076"/>
           <ac:picMkLst>
             <pc:docMk/>
             <pc:sldMk cId="3774079583" sldId="256"/>
@@ -358,6 +358,14 @@
             <pc:docMk/>
             <pc:sldMk cId="3774079583" sldId="256"/>
             <ac:picMk id="27" creationId="{279E110B-7038-4BC6-76D9-936900E1A9A0}"/>
+          </ac:picMkLst>
+        </pc:picChg>
+        <pc:picChg chg="add del mod">
+          <ac:chgData name="Charles Gartner" userId="7744f2c7-8fe5-47ef-beea-e148d4ee2f5b" providerId="ADAL" clId="{8AA443A0-2101-744B-B4A7-33AB9F9CA50D}" dt="2025-04-15T13:51:23.367" v="1805" actId="1076"/>
+          <ac:picMkLst>
+            <pc:docMk/>
+            <pc:sldMk cId="3774079583" sldId="256"/>
+            <ac:picMk id="1026" creationId="{C11F1D83-F150-3DBF-74A8-8147C317A13D}"/>
           </ac:picMkLst>
         </pc:picChg>
       </pc:sldChg>
@@ -3610,7 +3618,7 @@
         </p:blipFill>
         <p:spPr>
           <a:xfrm>
-            <a:off x="35793419" y="-459107"/>
+            <a:off x="35650543" y="-1903412"/>
             <a:ext cx="7511177" cy="9720347"/>
           </a:xfrm>
           <a:prstGeom prst="rect">
@@ -6569,7 +6577,7 @@
                 <a:latin typeface="Garamond" panose="02020404030301010803" pitchFamily="18" charset="0"/>
                 <a:cs typeface="Times New Roman" panose="02020603050405020304" pitchFamily="18" charset="0"/>
               </a:rPr>
-              <a:t>Advisor: Professor Ivan Ramler</a:t>
+              <a:t>Advisor: Ivan Ramler</a:t>
             </a:r>
           </a:p>
           <a:p>
@@ -7258,48 +7266,6 @@
                 <a:latin typeface="Garamond" panose="02020404030301010803" pitchFamily="18" charset="0"/>
               </a:rPr>
               <a:t>Formula 1 Racing</a:t>
-            </a:r>
-            <a:endParaRPr lang="en-US" sz="6600" dirty="0"/>
-          </a:p>
-        </p:txBody>
-      </p:sp>
-      <p:sp>
-        <p:nvSpPr>
-          <p:cNvPr id="7" name="TextBox 6">
-            <a:extLst>
-              <a:ext uri="{FF2B5EF4-FFF2-40B4-BE49-F238E27FC236}">
-                <a16:creationId xmlns:a16="http://schemas.microsoft.com/office/drawing/2014/main" id="{87D352EE-4C0E-80F2-BD34-2E2072B27B14}"/>
-              </a:ext>
-            </a:extLst>
-          </p:cNvPr>
-          <p:cNvSpPr txBox="1"/>
-          <p:nvPr/>
-        </p:nvSpPr>
-        <p:spPr>
-          <a:xfrm>
-            <a:off x="16809019" y="11006194"/>
-            <a:ext cx="9908930" cy="1107996"/>
-          </a:xfrm>
-          <a:prstGeom prst="rect">
-            <a:avLst/>
-          </a:prstGeom>
-          <a:noFill/>
-        </p:spPr>
-        <p:txBody>
-          <a:bodyPr wrap="square" rtlCol="0">
-            <a:spAutoFit/>
-          </a:bodyPr>
-          <a:lstStyle/>
-          <a:p>
-            <a:pPr algn="ctr"/>
-            <a:r>
-              <a:rPr lang="en-US" sz="6600" dirty="0">
-                <a:solidFill>
-                  <a:schemeClr val="bg1"/>
-                </a:solidFill>
-                <a:latin typeface="Garamond" panose="02020404030301010803" pitchFamily="18" charset="0"/>
-              </a:rPr>
-              <a:t>IMAGE OF F1</a:t>
             </a:r>
             <a:endParaRPr lang="en-US" sz="6600" dirty="0"/>
           </a:p>
@@ -7673,6 +7639,53 @@
           <a:prstGeom prst="rect">
             <a:avLst/>
           </a:prstGeom>
+        </p:spPr>
+      </p:pic>
+      <p:pic>
+        <p:nvPicPr>
+          <p:cNvPr id="1026" name="Picture 2" descr="20 Fast Facts About Formula 1 Racing ...">
+            <a:extLst>
+              <a:ext uri="{FF2B5EF4-FFF2-40B4-BE49-F238E27FC236}">
+                <a16:creationId xmlns:a16="http://schemas.microsoft.com/office/drawing/2014/main" id="{C11F1D83-F150-3DBF-74A8-8147C317A13D}"/>
+              </a:ext>
+            </a:extLst>
+          </p:cNvPr>
+          <p:cNvPicPr>
+            <a:picLocks noChangeAspect="1" noChangeArrowheads="1"/>
+          </p:cNvPicPr>
+          <p:nvPr/>
+        </p:nvPicPr>
+        <p:blipFill>
+          <a:blip r:embed="rId4">
+            <a:extLst>
+              <a:ext uri="{28A0092B-C50C-407E-A947-70E740481C1C}">
+                <a14:useLocalDpi xmlns:a14="http://schemas.microsoft.com/office/drawing/2010/main" val="0"/>
+              </a:ext>
+            </a:extLst>
+          </a:blip>
+          <a:srcRect/>
+          <a:stretch>
+            <a:fillRect/>
+          </a:stretch>
+        </p:blipFill>
+        <p:spPr bwMode="auto">
+          <a:xfrm>
+            <a:off x="17609196" y="8776003"/>
+            <a:ext cx="8214886" cy="4600336"/>
+          </a:xfrm>
+          <a:prstGeom prst="rect">
+            <a:avLst/>
+          </a:prstGeom>
+          <a:noFill/>
+          <a:extLst>
+            <a:ext uri="{909E8E84-426E-40DD-AFC4-6F175D3DCCD1}">
+              <a14:hiddenFill xmlns:a14="http://schemas.microsoft.com/office/drawing/2010/main">
+                <a:solidFill>
+                  <a:srgbClr val="FFFFFF"/>
+                </a:solidFill>
+              </a14:hiddenFill>
+            </a:ext>
+          </a:extLst>
         </p:spPr>
       </p:pic>
     </p:spTree>

--- a/cgartner/F1/CGartner_F1_Poster.pptx
+++ b/cgartner/F1/CGartner_F1_Poster.pptx
@@ -132,7 +132,7 @@
 <file path=ppt/revisionInfo.xml><?xml version="1.0" encoding="utf-8"?>
 <p1510:revInfo xmlns:a="http://schemas.openxmlformats.org/drawingml/2006/main" xmlns:r="http://schemas.openxmlformats.org/officeDocument/2006/relationships" xmlns:p1510="http://schemas.microsoft.com/office/powerpoint/2015/10/main">
   <p1510:revLst>
-    <p1510:client id="{8AA443A0-2101-744B-B4A7-33AB9F9CA50D}" v="40" dt="2025-04-15T13:51:23.368"/>
+    <p1510:client id="{8AA443A0-2101-744B-B4A7-33AB9F9CA50D}" v="58" dt="2025-04-16T13:53:38.770"/>
   </p1510:revLst>
 </p1510:revInfo>
 </file>
@@ -142,26 +142,26 @@
   <pc:docChgLst>
     <pc:chgData name="Charles Gartner" userId="7744f2c7-8fe5-47ef-beea-e148d4ee2f5b" providerId="ADAL" clId="{8AA443A0-2101-744B-B4A7-33AB9F9CA50D}"/>
     <pc:docChg chg="undo custSel modSld">
-      <pc:chgData name="Charles Gartner" userId="7744f2c7-8fe5-47ef-beea-e148d4ee2f5b" providerId="ADAL" clId="{8AA443A0-2101-744B-B4A7-33AB9F9CA50D}" dt="2025-04-15T13:51:26.193" v="1807"/>
+      <pc:chgData name="Charles Gartner" userId="7744f2c7-8fe5-47ef-beea-e148d4ee2f5b" providerId="ADAL" clId="{8AA443A0-2101-744B-B4A7-33AB9F9CA50D}" dt="2025-04-16T14:08:53.550" v="3089" actId="20577"/>
       <pc:docMkLst>
         <pc:docMk/>
       </pc:docMkLst>
       <pc:sldChg chg="addSp delSp modSp mod">
-        <pc:chgData name="Charles Gartner" userId="7744f2c7-8fe5-47ef-beea-e148d4ee2f5b" providerId="ADAL" clId="{8AA443A0-2101-744B-B4A7-33AB9F9CA50D}" dt="2025-04-15T13:51:26.193" v="1807"/>
+        <pc:chgData name="Charles Gartner" userId="7744f2c7-8fe5-47ef-beea-e148d4ee2f5b" providerId="ADAL" clId="{8AA443A0-2101-744B-B4A7-33AB9F9CA50D}" dt="2025-04-16T14:08:53.550" v="3089" actId="20577"/>
         <pc:sldMkLst>
           <pc:docMk/>
           <pc:sldMk cId="3774079583" sldId="256"/>
         </pc:sldMkLst>
-        <pc:spChg chg="add mod">
-          <ac:chgData name="Charles Gartner" userId="7744f2c7-8fe5-47ef-beea-e148d4ee2f5b" providerId="ADAL" clId="{8AA443A0-2101-744B-B4A7-33AB9F9CA50D}" dt="2025-04-10T14:23:29.487" v="542" actId="1076"/>
+        <pc:spChg chg="add del mod">
+          <ac:chgData name="Charles Gartner" userId="7744f2c7-8fe5-47ef-beea-e148d4ee2f5b" providerId="ADAL" clId="{8AA443A0-2101-744B-B4A7-33AB9F9CA50D}" dt="2025-04-15T18:31:45.611" v="1933" actId="478"/>
           <ac:spMkLst>
             <pc:docMk/>
             <pc:sldMk cId="3774079583" sldId="256"/>
             <ac:spMk id="2" creationId="{696372F7-7825-F291-31B9-380EDBE9F1E5}"/>
           </ac:spMkLst>
         </pc:spChg>
-        <pc:spChg chg="add mod">
-          <ac:chgData name="Charles Gartner" userId="7744f2c7-8fe5-47ef-beea-e148d4ee2f5b" providerId="ADAL" clId="{8AA443A0-2101-744B-B4A7-33AB9F9CA50D}" dt="2025-04-10T14:23:55.714" v="556" actId="14100"/>
+        <pc:spChg chg="add del mod">
+          <ac:chgData name="Charles Gartner" userId="7744f2c7-8fe5-47ef-beea-e148d4ee2f5b" providerId="ADAL" clId="{8AA443A0-2101-744B-B4A7-33AB9F9CA50D}" dt="2025-04-15T19:23:56.357" v="1946" actId="478"/>
           <ac:spMkLst>
             <pc:docMk/>
             <pc:sldMk cId="3774079583" sldId="256"/>
@@ -169,7 +169,7 @@
           </ac:spMkLst>
         </pc:spChg>
         <pc:spChg chg="add mod">
-          <ac:chgData name="Charles Gartner" userId="7744f2c7-8fe5-47ef-beea-e148d4ee2f5b" providerId="ADAL" clId="{8AA443A0-2101-744B-B4A7-33AB9F9CA50D}" dt="2025-04-10T14:26:09.482" v="586" actId="1076"/>
+          <ac:chgData name="Charles Gartner" userId="7744f2c7-8fe5-47ef-beea-e148d4ee2f5b" providerId="ADAL" clId="{8AA443A0-2101-744B-B4A7-33AB9F9CA50D}" dt="2025-04-16T13:43:30.657" v="2954" actId="1076"/>
           <ac:spMkLst>
             <pc:docMk/>
             <pc:sldMk cId="3774079583" sldId="256"/>
@@ -185,7 +185,7 @@
           </ac:spMkLst>
         </pc:spChg>
         <pc:spChg chg="add mod">
-          <ac:chgData name="Charles Gartner" userId="7744f2c7-8fe5-47ef-beea-e148d4ee2f5b" providerId="ADAL" clId="{8AA443A0-2101-744B-B4A7-33AB9F9CA50D}" dt="2025-04-10T14:38:01.489" v="1155" actId="108"/>
+          <ac:chgData name="Charles Gartner" userId="7744f2c7-8fe5-47ef-beea-e148d4ee2f5b" providerId="ADAL" clId="{8AA443A0-2101-744B-B4A7-33AB9F9CA50D}" dt="2025-04-16T13:51:36.156" v="3036" actId="255"/>
           <ac:spMkLst>
             <pc:docMk/>
             <pc:sldMk cId="3774079583" sldId="256"/>
@@ -193,7 +193,7 @@
           </ac:spMkLst>
         </pc:spChg>
         <pc:spChg chg="add mod">
-          <ac:chgData name="Charles Gartner" userId="7744f2c7-8fe5-47ef-beea-e148d4ee2f5b" providerId="ADAL" clId="{8AA443A0-2101-744B-B4A7-33AB9F9CA50D}" dt="2025-04-15T13:46:57.053" v="1788" actId="313"/>
+          <ac:chgData name="Charles Gartner" userId="7744f2c7-8fe5-47ef-beea-e148d4ee2f5b" providerId="ADAL" clId="{8AA443A0-2101-744B-B4A7-33AB9F9CA50D}" dt="2025-04-16T13:51:44.035" v="3037" actId="255"/>
           <ac:spMkLst>
             <pc:docMk/>
             <pc:sldMk cId="3774079583" sldId="256"/>
@@ -216,8 +216,8 @@
             <ac:spMk id="17" creationId="{4C94DC05-42FC-5673-669C-BD20493D832D}"/>
           </ac:spMkLst>
         </pc:spChg>
-        <pc:spChg chg="add mod">
-          <ac:chgData name="Charles Gartner" userId="7744f2c7-8fe5-47ef-beea-e148d4ee2f5b" providerId="ADAL" clId="{8AA443A0-2101-744B-B4A7-33AB9F9CA50D}" dt="2025-04-10T14:53:51.130" v="1552" actId="1076"/>
+        <pc:spChg chg="add del mod">
+          <ac:chgData name="Charles Gartner" userId="7744f2c7-8fe5-47ef-beea-e148d4ee2f5b" providerId="ADAL" clId="{8AA443A0-2101-744B-B4A7-33AB9F9CA50D}" dt="2025-04-15T19:25:26.070" v="1956" actId="962"/>
           <ac:spMkLst>
             <pc:docMk/>
             <pc:sldMk cId="3774079583" sldId="256"/>
@@ -225,7 +225,7 @@
           </ac:spMkLst>
         </pc:spChg>
         <pc:spChg chg="add mod">
-          <ac:chgData name="Charles Gartner" userId="7744f2c7-8fe5-47ef-beea-e148d4ee2f5b" providerId="ADAL" clId="{8AA443A0-2101-744B-B4A7-33AB9F9CA50D}" dt="2025-04-10T14:17:08.115" v="331" actId="692"/>
+          <ac:chgData name="Charles Gartner" userId="7744f2c7-8fe5-47ef-beea-e148d4ee2f5b" providerId="ADAL" clId="{8AA443A0-2101-744B-B4A7-33AB9F9CA50D}" dt="2025-04-16T13:42:41.461" v="2947" actId="1076"/>
           <ac:spMkLst>
             <pc:docMk/>
             <pc:sldMk cId="3774079583" sldId="256"/>
@@ -233,23 +233,39 @@
           </ac:spMkLst>
         </pc:spChg>
         <pc:spChg chg="add mod">
-          <ac:chgData name="Charles Gartner" userId="7744f2c7-8fe5-47ef-beea-e148d4ee2f5b" providerId="ADAL" clId="{8AA443A0-2101-744B-B4A7-33AB9F9CA50D}" dt="2025-04-15T13:47:00.553" v="1789" actId="313"/>
+          <ac:chgData name="Charles Gartner" userId="7744f2c7-8fe5-47ef-beea-e148d4ee2f5b" providerId="ADAL" clId="{8AA443A0-2101-744B-B4A7-33AB9F9CA50D}" dt="2025-04-16T14:03:19.995" v="3076" actId="108"/>
           <ac:spMkLst>
             <pc:docMk/>
             <pc:sldMk cId="3774079583" sldId="256"/>
             <ac:spMk id="23" creationId="{3E16F991-3DD2-6300-9588-E810ECB15CF1}"/>
           </ac:spMkLst>
         </pc:spChg>
-        <pc:spChg chg="add mod">
-          <ac:chgData name="Charles Gartner" userId="7744f2c7-8fe5-47ef-beea-e148d4ee2f5b" providerId="ADAL" clId="{8AA443A0-2101-744B-B4A7-33AB9F9CA50D}" dt="2025-04-10T14:54:16.639" v="1582" actId="1076"/>
+        <pc:spChg chg="add del mod">
+          <ac:chgData name="Charles Gartner" userId="7744f2c7-8fe5-47ef-beea-e148d4ee2f5b" providerId="ADAL" clId="{8AA443A0-2101-744B-B4A7-33AB9F9CA50D}" dt="2025-04-15T19:25:27.963" v="1957" actId="478"/>
           <ac:spMkLst>
             <pc:docMk/>
             <pc:sldMk cId="3774079583" sldId="256"/>
             <ac:spMk id="25" creationId="{CADF9753-7BB8-EEDB-CBC2-BB9F443C80A0}"/>
           </ac:spMkLst>
         </pc:spChg>
-        <pc:spChg chg="add mod">
-          <ac:chgData name="Charles Gartner" userId="7744f2c7-8fe5-47ef-beea-e148d4ee2f5b" providerId="ADAL" clId="{8AA443A0-2101-744B-B4A7-33AB9F9CA50D}" dt="2025-04-10T14:23:01.123" v="531" actId="1076"/>
+        <pc:spChg chg="add del mod">
+          <ac:chgData name="Charles Gartner" userId="7744f2c7-8fe5-47ef-beea-e148d4ee2f5b" providerId="ADAL" clId="{8AA443A0-2101-744B-B4A7-33AB9F9CA50D}" dt="2025-04-15T14:04:07.795" v="1896" actId="478"/>
+          <ac:spMkLst>
+            <pc:docMk/>
+            <pc:sldMk cId="3774079583" sldId="256"/>
+            <ac:spMk id="28" creationId="{C0427650-F814-8496-0D45-9FA89DC414DF}"/>
+          </ac:spMkLst>
+        </pc:spChg>
+        <pc:spChg chg="add del mod">
+          <ac:chgData name="Charles Gartner" userId="7744f2c7-8fe5-47ef-beea-e148d4ee2f5b" providerId="ADAL" clId="{8AA443A0-2101-744B-B4A7-33AB9F9CA50D}" dt="2025-04-16T13:17:22.074" v="2701"/>
+          <ac:spMkLst>
+            <pc:docMk/>
+            <pc:sldMk cId="3774079583" sldId="256"/>
+            <ac:spMk id="29" creationId="{9A3FFD2F-BE22-42EE-E132-8B26002DB776}"/>
+          </ac:spMkLst>
+        </pc:spChg>
+        <pc:spChg chg="add del mod">
+          <ac:chgData name="Charles Gartner" userId="7744f2c7-8fe5-47ef-beea-e148d4ee2f5b" providerId="ADAL" clId="{8AA443A0-2101-744B-B4A7-33AB9F9CA50D}" dt="2025-04-16T13:49:19.497" v="2971" actId="1076"/>
           <ac:spMkLst>
             <pc:docMk/>
             <pc:sldMk cId="3774079583" sldId="256"/>
@@ -265,7 +281,7 @@
           </ac:spMkLst>
         </pc:spChg>
         <pc:spChg chg="add mod">
-          <ac:chgData name="Charles Gartner" userId="7744f2c7-8fe5-47ef-beea-e148d4ee2f5b" providerId="ADAL" clId="{8AA443A0-2101-744B-B4A7-33AB9F9CA50D}" dt="2025-04-15T13:49:32.584" v="1796" actId="20577"/>
+          <ac:chgData name="Charles Gartner" userId="7744f2c7-8fe5-47ef-beea-e148d4ee2f5b" providerId="ADAL" clId="{8AA443A0-2101-744B-B4A7-33AB9F9CA50D}" dt="2025-04-15T13:59:07.723" v="1863" actId="20577"/>
           <ac:spMkLst>
             <pc:docMk/>
             <pc:sldMk cId="3774079583" sldId="256"/>
@@ -281,7 +297,7 @@
           </ac:spMkLst>
         </pc:spChg>
         <pc:spChg chg="add mod">
-          <ac:chgData name="Charles Gartner" userId="7744f2c7-8fe5-47ef-beea-e148d4ee2f5b" providerId="ADAL" clId="{8AA443A0-2101-744B-B4A7-33AB9F9CA50D}" dt="2025-04-10T14:38:13.400" v="1156" actId="14100"/>
+          <ac:chgData name="Charles Gartner" userId="7744f2c7-8fe5-47ef-beea-e148d4ee2f5b" providerId="ADAL" clId="{8AA443A0-2101-744B-B4A7-33AB9F9CA50D}" dt="2025-04-16T13:51:26.875" v="3035" actId="255"/>
           <ac:spMkLst>
             <pc:docMk/>
             <pc:sldMk cId="3774079583" sldId="256"/>
@@ -297,43 +313,91 @@
           </ac:spMkLst>
         </pc:spChg>
         <pc:spChg chg="add mod">
-          <ac:chgData name="Charles Gartner" userId="7744f2c7-8fe5-47ef-beea-e148d4ee2f5b" providerId="ADAL" clId="{8AA443A0-2101-744B-B4A7-33AB9F9CA50D}" dt="2025-04-10T14:19:49.991" v="438"/>
+          <ac:chgData name="Charles Gartner" userId="7744f2c7-8fe5-47ef-beea-e148d4ee2f5b" providerId="ADAL" clId="{8AA443A0-2101-744B-B4A7-33AB9F9CA50D}" dt="2025-04-16T14:08:53.550" v="3089" actId="20577"/>
           <ac:spMkLst>
             <pc:docMk/>
             <pc:sldMk cId="3774079583" sldId="256"/>
             <ac:spMk id="44" creationId="{350D86C7-10E1-3AA8-F4EB-AA904652B206}"/>
           </ac:spMkLst>
         </pc:spChg>
-        <pc:spChg chg="add mod">
-          <ac:chgData name="Charles Gartner" userId="7744f2c7-8fe5-47ef-beea-e148d4ee2f5b" providerId="ADAL" clId="{8AA443A0-2101-744B-B4A7-33AB9F9CA50D}" dt="2025-04-10T14:20:26.909" v="440" actId="1076"/>
+        <pc:spChg chg="add del mod">
+          <ac:chgData name="Charles Gartner" userId="7744f2c7-8fe5-47ef-beea-e148d4ee2f5b" providerId="ADAL" clId="{8AA443A0-2101-744B-B4A7-33AB9F9CA50D}" dt="2025-04-16T13:17:22.072" v="2699"/>
           <ac:spMkLst>
             <pc:docMk/>
             <pc:sldMk cId="3774079583" sldId="256"/>
             <ac:spMk id="45" creationId="{5DE9AA95-16AC-F76A-401B-5DAD2749C753}"/>
           </ac:spMkLst>
         </pc:spChg>
-        <pc:spChg chg="add mod">
-          <ac:chgData name="Charles Gartner" userId="7744f2c7-8fe5-47ef-beea-e148d4ee2f5b" providerId="ADAL" clId="{8AA443A0-2101-744B-B4A7-33AB9F9CA50D}" dt="2025-04-10T14:20:40.755" v="442" actId="1076"/>
+        <pc:spChg chg="add del mod">
+          <ac:chgData name="Charles Gartner" userId="7744f2c7-8fe5-47ef-beea-e148d4ee2f5b" providerId="ADAL" clId="{8AA443A0-2101-744B-B4A7-33AB9F9CA50D}" dt="2025-04-15T19:31:48.924" v="1977" actId="478"/>
           <ac:spMkLst>
             <pc:docMk/>
             <pc:sldMk cId="3774079583" sldId="256"/>
             <ac:spMk id="46" creationId="{BDFA3568-C611-C398-1511-C5577F0D1D9E}"/>
           </ac:spMkLst>
         </pc:spChg>
-        <pc:spChg chg="add mod">
-          <ac:chgData name="Charles Gartner" userId="7744f2c7-8fe5-47ef-beea-e148d4ee2f5b" providerId="ADAL" clId="{8AA443A0-2101-744B-B4A7-33AB9F9CA50D}" dt="2025-04-10T14:20:50.605" v="444" actId="1076"/>
+        <pc:spChg chg="add del mod">
+          <ac:chgData name="Charles Gartner" userId="7744f2c7-8fe5-47ef-beea-e148d4ee2f5b" providerId="ADAL" clId="{8AA443A0-2101-744B-B4A7-33AB9F9CA50D}" dt="2025-04-15T19:31:59.926" v="1982" actId="478"/>
           <ac:spMkLst>
             <pc:docMk/>
             <pc:sldMk cId="3774079583" sldId="256"/>
             <ac:spMk id="48" creationId="{3660214D-DF91-64B8-8DB6-C4625A4A34A3}"/>
           </ac:spMkLst>
         </pc:spChg>
-        <pc:spChg chg="add mod">
-          <ac:chgData name="Charles Gartner" userId="7744f2c7-8fe5-47ef-beea-e148d4ee2f5b" providerId="ADAL" clId="{8AA443A0-2101-744B-B4A7-33AB9F9CA50D}" dt="2025-04-10T14:22:48.282" v="526" actId="20577"/>
+        <pc:spChg chg="add del mod">
+          <ac:chgData name="Charles Gartner" userId="7744f2c7-8fe5-47ef-beea-e148d4ee2f5b" providerId="ADAL" clId="{8AA443A0-2101-744B-B4A7-33AB9F9CA50D}" dt="2025-04-15T18:30:35.253" v="1926" actId="478"/>
           <ac:spMkLst>
             <pc:docMk/>
             <pc:sldMk cId="3774079583" sldId="256"/>
             <ac:spMk id="49" creationId="{A0A693E8-7FAD-211F-FCBD-47841F7E934A}"/>
+          </ac:spMkLst>
+        </pc:spChg>
+        <pc:spChg chg="add mod">
+          <ac:chgData name="Charles Gartner" userId="7744f2c7-8fe5-47ef-beea-e148d4ee2f5b" providerId="ADAL" clId="{8AA443A0-2101-744B-B4A7-33AB9F9CA50D}" dt="2025-04-16T12:54:10.540" v="2169" actId="1076"/>
+          <ac:spMkLst>
+            <pc:docMk/>
+            <pc:sldMk cId="3774079583" sldId="256"/>
+            <ac:spMk id="54" creationId="{A6762233-6128-3689-43B5-2657B014B511}"/>
+          </ac:spMkLst>
+        </pc:spChg>
+        <pc:spChg chg="add mod">
+          <ac:chgData name="Charles Gartner" userId="7744f2c7-8fe5-47ef-beea-e148d4ee2f5b" providerId="ADAL" clId="{8AA443A0-2101-744B-B4A7-33AB9F9CA50D}" dt="2025-04-16T12:53:20.884" v="2143"/>
+          <ac:spMkLst>
+            <pc:docMk/>
+            <pc:sldMk cId="3774079583" sldId="256"/>
+            <ac:spMk id="55" creationId="{EDAB7E0E-A890-B9F2-EC5E-0D76655935BD}"/>
+          </ac:spMkLst>
+        </pc:spChg>
+        <pc:spChg chg="add del mod">
+          <ac:chgData name="Charles Gartner" userId="7744f2c7-8fe5-47ef-beea-e148d4ee2f5b" providerId="ADAL" clId="{8AA443A0-2101-744B-B4A7-33AB9F9CA50D}" dt="2025-04-16T13:53:06.353" v="3050" actId="478"/>
+          <ac:spMkLst>
+            <pc:docMk/>
+            <pc:sldMk cId="3774079583" sldId="256"/>
+            <ac:spMk id="56" creationId="{8CD9580D-29B6-B004-85B8-C4ED7C350177}"/>
+          </ac:spMkLst>
+        </pc:spChg>
+        <pc:spChg chg="add del mod">
+          <ac:chgData name="Charles Gartner" userId="7744f2c7-8fe5-47ef-beea-e148d4ee2f5b" providerId="ADAL" clId="{8AA443A0-2101-744B-B4A7-33AB9F9CA50D}" dt="2025-04-16T13:26:22.581" v="2727"/>
+          <ac:spMkLst>
+            <pc:docMk/>
+            <pc:sldMk cId="3774079583" sldId="256"/>
+            <ac:spMk id="57" creationId="{67F04C91-1B39-3AF7-451A-E6F54EE1151C}"/>
+          </ac:spMkLst>
+        </pc:spChg>
+        <pc:spChg chg="add mod">
+          <ac:chgData name="Charles Gartner" userId="7744f2c7-8fe5-47ef-beea-e148d4ee2f5b" providerId="ADAL" clId="{8AA443A0-2101-744B-B4A7-33AB9F9CA50D}" dt="2025-04-16T13:54:56.613" v="3071" actId="1076"/>
+          <ac:spMkLst>
+            <pc:docMk/>
+            <pc:sldMk cId="3774079583" sldId="256"/>
+            <ac:spMk id="58" creationId="{8B7DD721-DDD0-CECA-CA8A-E2E778E6BD35}"/>
+          </ac:spMkLst>
+        </pc:spChg>
+        <pc:spChg chg="add mod">
+          <ac:chgData name="Charles Gartner" userId="7744f2c7-8fe5-47ef-beea-e148d4ee2f5b" providerId="ADAL" clId="{8AA443A0-2101-744B-B4A7-33AB9F9CA50D}" dt="2025-04-16T14:03:52.531" v="3078" actId="1076"/>
+          <ac:spMkLst>
+            <pc:docMk/>
+            <pc:sldMk cId="3774079583" sldId="256"/>
+            <ac:spMk id="61" creationId="{27E408A6-2F5E-19E4-FA9B-C769E85E8F57}"/>
           </ac:spMkLst>
         </pc:spChg>
         <pc:picChg chg="mod">
@@ -353,7 +417,7 @@
           </ac:picMkLst>
         </pc:picChg>
         <pc:picChg chg="add mod">
-          <ac:chgData name="Charles Gartner" userId="7744f2c7-8fe5-47ef-beea-e148d4ee2f5b" providerId="ADAL" clId="{8AA443A0-2101-744B-B4A7-33AB9F9CA50D}" dt="2025-04-10T15:03:41.526" v="1594" actId="1076"/>
+          <ac:chgData name="Charles Gartner" userId="7744f2c7-8fe5-47ef-beea-e148d4ee2f5b" providerId="ADAL" clId="{8AA443A0-2101-744B-B4A7-33AB9F9CA50D}" dt="2025-04-16T13:44:16.183" v="2962" actId="1076"/>
           <ac:picMkLst>
             <pc:docMk/>
             <pc:sldMk cId="3774079583" sldId="256"/>
@@ -361,7 +425,63 @@
           </ac:picMkLst>
         </pc:picChg>
         <pc:picChg chg="add del mod">
-          <ac:chgData name="Charles Gartner" userId="7744f2c7-8fe5-47ef-beea-e148d4ee2f5b" providerId="ADAL" clId="{8AA443A0-2101-744B-B4A7-33AB9F9CA50D}" dt="2025-04-15T13:51:23.367" v="1805" actId="1076"/>
+          <ac:chgData name="Charles Gartner" userId="7744f2c7-8fe5-47ef-beea-e148d4ee2f5b" providerId="ADAL" clId="{8AA443A0-2101-744B-B4A7-33AB9F9CA50D}" dt="2025-04-16T14:02:50.953" v="3075" actId="1076"/>
+          <ac:picMkLst>
+            <pc:docMk/>
+            <pc:sldMk cId="3774079583" sldId="256"/>
+            <ac:picMk id="34" creationId="{138D3DD8-223D-74D1-D63D-A158844DD983}"/>
+          </ac:picMkLst>
+        </pc:picChg>
+        <pc:picChg chg="add mod">
+          <ac:chgData name="Charles Gartner" userId="7744f2c7-8fe5-47ef-beea-e148d4ee2f5b" providerId="ADAL" clId="{8AA443A0-2101-744B-B4A7-33AB9F9CA50D}" dt="2025-04-16T13:37:14.400" v="2776" actId="1076"/>
+          <ac:picMkLst>
+            <pc:docMk/>
+            <pc:sldMk cId="3774079583" sldId="256"/>
+            <ac:picMk id="36" creationId="{A26BAB7D-7EF1-C97E-B2C9-794920FCA303}"/>
+          </ac:picMkLst>
+        </pc:picChg>
+        <pc:picChg chg="add mod">
+          <ac:chgData name="Charles Gartner" userId="7744f2c7-8fe5-47ef-beea-e148d4ee2f5b" providerId="ADAL" clId="{8AA443A0-2101-744B-B4A7-33AB9F9CA50D}" dt="2025-04-16T14:08:11.478" v="3079" actId="14100"/>
+          <ac:picMkLst>
+            <pc:docMk/>
+            <pc:sldMk cId="3774079583" sldId="256"/>
+            <ac:picMk id="40" creationId="{E3B3CDE2-4FE1-8E78-CDE8-3C59EC8A3EC1}"/>
+          </ac:picMkLst>
+        </pc:picChg>
+        <pc:picChg chg="add mod">
+          <ac:chgData name="Charles Gartner" userId="7744f2c7-8fe5-47ef-beea-e148d4ee2f5b" providerId="ADAL" clId="{8AA443A0-2101-744B-B4A7-33AB9F9CA50D}" dt="2025-04-16T13:43:48.273" v="2958" actId="1076"/>
+          <ac:picMkLst>
+            <pc:docMk/>
+            <pc:sldMk cId="3774079583" sldId="256"/>
+            <ac:picMk id="43" creationId="{6AC0A5E9-300A-10E7-30AD-418DDAEE8168}"/>
+          </ac:picMkLst>
+        </pc:picChg>
+        <pc:picChg chg="add mod">
+          <ac:chgData name="Charles Gartner" userId="7744f2c7-8fe5-47ef-beea-e148d4ee2f5b" providerId="ADAL" clId="{8AA443A0-2101-744B-B4A7-33AB9F9CA50D}" dt="2025-04-16T13:47:23.383" v="2967" actId="1076"/>
+          <ac:picMkLst>
+            <pc:docMk/>
+            <pc:sldMk cId="3774079583" sldId="256"/>
+            <ac:picMk id="50" creationId="{1BE0FCE3-C8B6-D7C1-7AEC-EE569BE232B5}"/>
+          </ac:picMkLst>
+        </pc:picChg>
+        <pc:picChg chg="add del mod">
+          <ac:chgData name="Charles Gartner" userId="7744f2c7-8fe5-47ef-beea-e148d4ee2f5b" providerId="ADAL" clId="{8AA443A0-2101-744B-B4A7-33AB9F9CA50D}" dt="2025-04-16T13:36:33.396" v="2772" actId="478"/>
+          <ac:picMkLst>
+            <pc:docMk/>
+            <pc:sldMk cId="3774079583" sldId="256"/>
+            <ac:picMk id="52" creationId="{76A6F0B8-DC4C-419B-E1CC-1E40132DDCE5}"/>
+          </ac:picMkLst>
+        </pc:picChg>
+        <pc:picChg chg="add mod">
+          <ac:chgData name="Charles Gartner" userId="7744f2c7-8fe5-47ef-beea-e148d4ee2f5b" providerId="ADAL" clId="{8AA443A0-2101-744B-B4A7-33AB9F9CA50D}" dt="2025-04-16T13:52:15.639" v="3042" actId="1076"/>
+          <ac:picMkLst>
+            <pc:docMk/>
+            <pc:sldMk cId="3774079583" sldId="256"/>
+            <ac:picMk id="60" creationId="{AEF2CAAB-18AB-0BA5-0985-7C97D864D10E}"/>
+          </ac:picMkLst>
+        </pc:picChg>
+        <pc:picChg chg="add del mod">
+          <ac:chgData name="Charles Gartner" userId="7744f2c7-8fe5-47ef-beea-e148d4ee2f5b" providerId="ADAL" clId="{8AA443A0-2101-744B-B4A7-33AB9F9CA50D}" dt="2025-04-16T13:43:39.156" v="2955" actId="1076"/>
           <ac:picMkLst>
             <pc:docMk/>
             <pc:sldMk cId="3774079583" sldId="256"/>
@@ -6562,7 +6682,7 @@
                 <a:latin typeface="Garamond" panose="02020404030301010803" pitchFamily="18" charset="0"/>
                 <a:cs typeface="Times New Roman" panose="02020603050405020304" pitchFamily="18" charset="0"/>
               </a:rPr>
-              <a:t> ’25 (Statistics, Mathematics)</a:t>
+              <a:t> ’25 (Statistics)</a:t>
             </a:r>
           </a:p>
           <a:p>
@@ -6675,7 +6795,7 @@
               <a:t>Funded by the National Science Foundation (</a:t>
             </a:r>
             <a:r>
-              <a:rPr lang="en-US" sz="3600" b="0" dirty="0">
+              <a:rPr lang="en-US" sz="4000" b="0" dirty="0">
                 <a:solidFill>
                   <a:schemeClr val="bg1">
                     <a:lumMod val="95000"/>
@@ -6768,8 +6888,8 @@
         </p:nvSpPr>
         <p:spPr>
           <a:xfrm>
-            <a:off x="1192460" y="12235038"/>
-            <a:ext cx="6159707" cy="3539430"/>
+            <a:off x="1836004" y="17987092"/>
+            <a:ext cx="10384920" cy="10987623"/>
           </a:xfrm>
           <a:prstGeom prst="rect">
             <a:avLst/>
@@ -6783,7 +6903,7 @@
           <a:lstStyle/>
           <a:p>
             <a:r>
-              <a:rPr lang="en-US" sz="4400" dirty="0">
+              <a:rPr lang="en-US" sz="4800" dirty="0">
                 <a:solidFill>
                   <a:schemeClr val="bg1">
                     <a:lumMod val="95000"/>
@@ -6791,8 +6911,14 @@
                 </a:solidFill>
                 <a:latin typeface="Garamond" panose="02020404030301010803" pitchFamily="18" charset="0"/>
               </a:rPr>
-              <a:t>1. </a:t>
-            </a:r>
+              <a:t>1. Introduction</a:t>
+            </a:r>
+          </a:p>
+          <a:p>
+            <a:pPr marL="571500" indent="-571500">
+              <a:buFont typeface="Arial" panose="020B0604020202020204" pitchFamily="34" charset="0"/>
+              <a:buChar char="•"/>
+            </a:pPr>
             <a:r>
               <a:rPr lang="en-US" sz="4000" dirty="0">
                 <a:solidFill>
@@ -6802,7 +6928,7 @@
                 </a:solidFill>
                 <a:latin typeface="Garamond" panose="02020404030301010803" pitchFamily="18" charset="0"/>
               </a:rPr>
-              <a:t>Introduction</a:t>
+              <a:t>Summary of the sport and concepts that will be in handout</a:t>
             </a:r>
           </a:p>
           <a:p>
@@ -6811,24 +6937,7 @@
               <a:buChar char="•"/>
             </a:pPr>
             <a:r>
-              <a:rPr lang="en-US" sz="3600" dirty="0">
-                <a:solidFill>
-                  <a:schemeClr val="bg1">
-                    <a:lumMod val="95000"/>
-                  </a:schemeClr>
-                </a:solidFill>
-                <a:latin typeface="Garamond" panose="02020404030301010803" pitchFamily="18" charset="0"/>
-              </a:rPr>
-              <a:t>Summary of the sport and concepts that will be in handout</a:t>
-            </a:r>
-          </a:p>
-          <a:p>
-            <a:pPr marL="571500" indent="-571500">
-              <a:buFont typeface="Arial" panose="020B0604020202020204" pitchFamily="34" charset="0"/>
-              <a:buChar char="•"/>
-            </a:pPr>
-            <a:r>
-              <a:rPr lang="en-US" sz="3600" dirty="0">
+              <a:rPr lang="en-US" sz="4000" dirty="0">
                 <a:solidFill>
                   <a:schemeClr val="bg1">
                     <a:lumMod val="95000"/>
@@ -6839,38 +6948,23 @@
               <a:t>Provides learning objectives and methods</a:t>
             </a:r>
           </a:p>
-        </p:txBody>
-      </p:sp>
-      <p:sp>
-        <p:nvSpPr>
-          <p:cNvPr id="45" name="TextBox 44">
-            <a:extLst>
-              <a:ext uri="{FF2B5EF4-FFF2-40B4-BE49-F238E27FC236}">
-                <a16:creationId xmlns:a16="http://schemas.microsoft.com/office/drawing/2014/main" id="{5DE9AA95-16AC-F76A-401B-5DAD2749C753}"/>
-              </a:ext>
-            </a:extLst>
-          </p:cNvPr>
-          <p:cNvSpPr txBox="1"/>
-          <p:nvPr/>
-        </p:nvSpPr>
-        <p:spPr>
-          <a:xfrm>
-            <a:off x="7552518" y="17586981"/>
-            <a:ext cx="6108897" cy="2554545"/>
-          </a:xfrm>
-          <a:prstGeom prst="rect">
-            <a:avLst/>
-          </a:prstGeom>
-          <a:noFill/>
-        </p:spPr>
-        <p:txBody>
-          <a:bodyPr wrap="square" rtlCol="0">
-            <a:spAutoFit/>
-          </a:bodyPr>
-          <a:lstStyle/>
-          <a:p>
-            <a:r>
-              <a:rPr lang="en-US" sz="4400" dirty="0">
+          <a:p>
+            <a:pPr marL="571500" indent="-571500">
+              <a:buFont typeface="Arial" panose="020B0604020202020204" pitchFamily="34" charset="0"/>
+              <a:buChar char="•"/>
+            </a:pPr>
+            <a:endParaRPr lang="en-US" sz="4000" dirty="0">
+              <a:solidFill>
+                <a:schemeClr val="bg1">
+                  <a:lumMod val="95000"/>
+                </a:schemeClr>
+              </a:solidFill>
+              <a:latin typeface="Garamond" panose="02020404030301010803" pitchFamily="18" charset="0"/>
+            </a:endParaRPr>
+          </a:p>
+          <a:p>
+            <a:r>
+              <a:rPr lang="en-US" sz="4800" dirty="0">
                 <a:solidFill>
                   <a:schemeClr val="bg1">
                     <a:lumMod val="95000"/>
@@ -6878,8 +6972,14 @@
                 </a:solidFill>
                 <a:latin typeface="Garamond" panose="02020404030301010803" pitchFamily="18" charset="0"/>
               </a:rPr>
-              <a:t>2. </a:t>
-            </a:r>
+              <a:t>2. Data</a:t>
+            </a:r>
+          </a:p>
+          <a:p>
+            <a:pPr marL="571500" indent="-571500">
+              <a:buFont typeface="Arial" panose="020B0604020202020204" pitchFamily="34" charset="0"/>
+              <a:buChar char="•"/>
+            </a:pPr>
             <a:r>
               <a:rPr lang="en-US" sz="4000" dirty="0">
                 <a:solidFill>
@@ -6889,7 +6989,7 @@
                 </a:solidFill>
                 <a:latin typeface="Garamond" panose="02020404030301010803" pitchFamily="18" charset="0"/>
               </a:rPr>
-              <a:t>Data</a:t>
+              <a:t>Summary of dataset, with variable descriptions</a:t>
             </a:r>
           </a:p>
           <a:p>
@@ -6897,34 +6997,6 @@
               <a:buFont typeface="Arial" panose="020B0604020202020204" pitchFamily="34" charset="0"/>
               <a:buChar char="•"/>
             </a:pPr>
-            <a:r>
-              <a:rPr lang="en-US" sz="3600" dirty="0">
-                <a:solidFill>
-                  <a:schemeClr val="bg1">
-                    <a:lumMod val="95000"/>
-                  </a:schemeClr>
-                </a:solidFill>
-                <a:latin typeface="Garamond" panose="02020404030301010803" pitchFamily="18" charset="0"/>
-              </a:rPr>
-              <a:t>Summary of dataset, with variable descriptions</a:t>
-            </a:r>
-          </a:p>
-          <a:p>
-            <a:pPr marL="571500" indent="-571500">
-              <a:buFont typeface="Arial" panose="020B0604020202020204" pitchFamily="34" charset="0"/>
-              <a:buChar char="•"/>
-            </a:pPr>
-            <a:r>
-              <a:rPr lang="en-US" sz="3600" dirty="0">
-                <a:solidFill>
-                  <a:schemeClr val="bg1">
-                    <a:lumMod val="95000"/>
-                  </a:schemeClr>
-                </a:solidFill>
-                <a:latin typeface="Garamond" panose="02020404030301010803" pitchFamily="18" charset="0"/>
-              </a:rPr>
-              <a:t>Supplies data file and source</a:t>
-            </a:r>
             <a:r>
               <a:rPr lang="en-US" sz="4000" dirty="0">
                 <a:solidFill>
@@ -6934,41 +7006,26 @@
                 </a:solidFill>
                 <a:latin typeface="Garamond" panose="02020404030301010803" pitchFamily="18" charset="0"/>
               </a:rPr>
-              <a:t> </a:t>
-            </a:r>
-          </a:p>
-        </p:txBody>
-      </p:sp>
-      <p:sp>
-        <p:nvSpPr>
-          <p:cNvPr id="46" name="TextBox 45">
-            <a:extLst>
-              <a:ext uri="{FF2B5EF4-FFF2-40B4-BE49-F238E27FC236}">
-                <a16:creationId xmlns:a16="http://schemas.microsoft.com/office/drawing/2014/main" id="{BDFA3568-C611-C398-1511-C5577F0D1D9E}"/>
-              </a:ext>
-            </a:extLst>
-          </p:cNvPr>
-          <p:cNvSpPr txBox="1"/>
-          <p:nvPr/>
-        </p:nvSpPr>
-        <p:spPr>
-          <a:xfrm>
-            <a:off x="1388574" y="20878332"/>
-            <a:ext cx="6799566" cy="1323439"/>
-          </a:xfrm>
-          <a:prstGeom prst="rect">
-            <a:avLst/>
-          </a:prstGeom>
-          <a:noFill/>
-        </p:spPr>
-        <p:txBody>
-          <a:bodyPr wrap="square" rtlCol="0">
-            <a:spAutoFit/>
-          </a:bodyPr>
-          <a:lstStyle/>
-          <a:p>
-            <a:r>
-              <a:rPr lang="en-US" sz="4400" dirty="0">
+              <a:t>Supplies data file and source </a:t>
+            </a:r>
+          </a:p>
+          <a:p>
+            <a:pPr marL="571500" indent="-571500">
+              <a:buFont typeface="Arial" panose="020B0604020202020204" pitchFamily="34" charset="0"/>
+              <a:buChar char="•"/>
+            </a:pPr>
+            <a:endParaRPr lang="en-US" sz="4000" dirty="0">
+              <a:solidFill>
+                <a:schemeClr val="bg1">
+                  <a:lumMod val="95000"/>
+                </a:schemeClr>
+              </a:solidFill>
+              <a:latin typeface="Garamond" panose="02020404030301010803" pitchFamily="18" charset="0"/>
+            </a:endParaRPr>
+          </a:p>
+          <a:p>
+            <a:r>
+              <a:rPr lang="en-US" sz="4800" dirty="0">
                 <a:solidFill>
                   <a:schemeClr val="bg1">
                     <a:lumMod val="95000"/>
@@ -6976,8 +7033,14 @@
                 </a:solidFill>
                 <a:latin typeface="Garamond" panose="02020404030301010803" pitchFamily="18" charset="0"/>
               </a:rPr>
-              <a:t>3. </a:t>
-            </a:r>
+              <a:t>3. Materials</a:t>
+            </a:r>
+          </a:p>
+          <a:p>
+            <a:pPr marL="571500" indent="-571500">
+              <a:buFont typeface="Arial" panose="020B0604020202020204" pitchFamily="34" charset="0"/>
+              <a:buChar char="•"/>
+            </a:pPr>
             <a:r>
               <a:rPr lang="en-US" sz="4000" dirty="0">
                 <a:solidFill>
@@ -6987,7 +7050,7 @@
                 </a:solidFill>
                 <a:latin typeface="Garamond" panose="02020404030301010803" pitchFamily="18" charset="0"/>
               </a:rPr>
-              <a:t>Materials</a:t>
+              <a:t>Data file(s), worksheet, handout, and answer key.</a:t>
             </a:r>
           </a:p>
           <a:p>
@@ -6995,8 +7058,18 @@
               <a:buFont typeface="Arial" panose="020B0604020202020204" pitchFamily="34" charset="0"/>
               <a:buChar char="•"/>
             </a:pPr>
-            <a:r>
-              <a:rPr lang="en-US" sz="3600" dirty="0">
+            <a:endParaRPr lang="en-US" sz="4000" dirty="0">
+              <a:solidFill>
+                <a:schemeClr val="bg1">
+                  <a:lumMod val="95000"/>
+                </a:schemeClr>
+              </a:solidFill>
+              <a:latin typeface="Garamond" panose="02020404030301010803" pitchFamily="18" charset="0"/>
+            </a:endParaRPr>
+          </a:p>
+          <a:p>
+            <a:r>
+              <a:rPr lang="en-US" sz="4800" dirty="0">
                 <a:solidFill>
                   <a:schemeClr val="bg1">
                     <a:lumMod val="95000"/>
@@ -7004,50 +7077,14 @@
                 </a:solidFill>
                 <a:latin typeface="Garamond" panose="02020404030301010803" pitchFamily="18" charset="0"/>
               </a:rPr>
-              <a:t>Class handouts and answer keys</a:t>
-            </a:r>
-          </a:p>
-        </p:txBody>
-      </p:sp>
-      <p:sp>
-        <p:nvSpPr>
-          <p:cNvPr id="48" name="TextBox 47">
-            <a:extLst>
-              <a:ext uri="{FF2B5EF4-FFF2-40B4-BE49-F238E27FC236}">
-                <a16:creationId xmlns:a16="http://schemas.microsoft.com/office/drawing/2014/main" id="{3660214D-DF91-64B8-8DB6-C4625A4A34A3}"/>
-              </a:ext>
-            </a:extLst>
-          </p:cNvPr>
-          <p:cNvSpPr txBox="1"/>
-          <p:nvPr/>
-        </p:nvSpPr>
-        <p:spPr>
-          <a:xfrm>
-            <a:off x="1494743" y="26507358"/>
-            <a:ext cx="6497055" cy="2492990"/>
-          </a:xfrm>
-          <a:prstGeom prst="rect">
-            <a:avLst/>
-          </a:prstGeom>
-          <a:noFill/>
-        </p:spPr>
-        <p:txBody>
-          <a:bodyPr wrap="square" rtlCol="0">
-            <a:spAutoFit/>
-          </a:bodyPr>
-          <a:lstStyle/>
-          <a:p>
-            <a:r>
-              <a:rPr lang="en-US" sz="4400" dirty="0">
-                <a:solidFill>
-                  <a:schemeClr val="bg1">
-                    <a:lumMod val="95000"/>
-                  </a:schemeClr>
-                </a:solidFill>
-                <a:latin typeface="Garamond" panose="02020404030301010803" pitchFamily="18" charset="0"/>
-              </a:rPr>
-              <a:t>4. </a:t>
-            </a:r>
+              <a:t>4. Conclusion</a:t>
+            </a:r>
+          </a:p>
+          <a:p>
+            <a:pPr marL="571500" indent="-571500">
+              <a:buFont typeface="Arial" panose="020B0604020202020204" pitchFamily="34" charset="0"/>
+              <a:buChar char="•"/>
+            </a:pPr>
             <a:r>
               <a:rPr lang="en-US" sz="4000" dirty="0">
                 <a:solidFill>
@@ -7057,16 +7094,10 @@
                 </a:solidFill>
                 <a:latin typeface="Garamond" panose="02020404030301010803" pitchFamily="18" charset="0"/>
               </a:rPr>
-              <a:t>Conclusion</a:t>
-            </a:r>
-          </a:p>
-          <a:p>
-            <a:pPr marL="571500" indent="-571500">
-              <a:buFont typeface="Arial" panose="020B0604020202020204" pitchFamily="34" charset="0"/>
-              <a:buChar char="•"/>
-            </a:pPr>
-            <a:r>
-              <a:rPr lang="en-US" sz="3600" dirty="0">
+              <a:t>Summarize the takeaways and learning objectives from the sports </a:t>
+            </a:r>
+            <a:r>
+              <a:rPr lang="en-US" sz="4000">
                 <a:solidFill>
                   <a:schemeClr val="bg1">
                     <a:lumMod val="95000"/>
@@ -7074,49 +7105,7 @@
                 </a:solidFill>
                 <a:latin typeface="Garamond" panose="02020404030301010803" pitchFamily="18" charset="0"/>
               </a:rPr>
-              <a:t>Summarize the takeaways and learning objectives from the sports application handouts</a:t>
-            </a:r>
-          </a:p>
-        </p:txBody>
-      </p:sp>
-      <p:sp>
-        <p:nvSpPr>
-          <p:cNvPr id="49" name="TextBox 48">
-            <a:extLst>
-              <a:ext uri="{FF2B5EF4-FFF2-40B4-BE49-F238E27FC236}">
-                <a16:creationId xmlns:a16="http://schemas.microsoft.com/office/drawing/2014/main" id="{A0A693E8-7FAD-211F-FCBD-47841F7E934A}"/>
-              </a:ext>
-            </a:extLst>
-          </p:cNvPr>
-          <p:cNvSpPr txBox="1"/>
-          <p:nvPr/>
-        </p:nvSpPr>
-        <p:spPr>
-          <a:xfrm>
-            <a:off x="7119828" y="12266560"/>
-            <a:ext cx="6497055" cy="2123658"/>
-          </a:xfrm>
-          <a:prstGeom prst="rect">
-            <a:avLst/>
-          </a:prstGeom>
-          <a:noFill/>
-        </p:spPr>
-        <p:txBody>
-          <a:bodyPr wrap="square" rtlCol="0">
-            <a:spAutoFit/>
-          </a:bodyPr>
-          <a:lstStyle/>
-          <a:p>
-            <a:r>
-              <a:rPr lang="en-US" sz="4400" dirty="0">
-                <a:solidFill>
-                  <a:schemeClr val="bg1">
-                    <a:lumMod val="95000"/>
-                  </a:schemeClr>
-                </a:solidFill>
-                <a:latin typeface="Garamond" panose="02020404030301010803" pitchFamily="18" charset="0"/>
-              </a:rPr>
-              <a:t>IMAGE OF LEARNING OBJECTIVES &amp; METHODS</a:t>
+              <a:t>application worksheet.</a:t>
             </a:r>
             <a:endParaRPr lang="en-US" sz="4000" dirty="0">
               <a:solidFill>
@@ -7127,47 +7116,11 @@
               <a:latin typeface="Garamond" panose="02020404030301010803" pitchFamily="18" charset="0"/>
             </a:endParaRPr>
           </a:p>
-        </p:txBody>
-      </p:sp>
-      <p:sp>
-        <p:nvSpPr>
-          <p:cNvPr id="2" name="TextBox 1">
-            <a:extLst>
-              <a:ext uri="{FF2B5EF4-FFF2-40B4-BE49-F238E27FC236}">
-                <a16:creationId xmlns:a16="http://schemas.microsoft.com/office/drawing/2014/main" id="{696372F7-7825-F291-31B9-380EDBE9F1E5}"/>
-              </a:ext>
-            </a:extLst>
-          </p:cNvPr>
-          <p:cNvSpPr txBox="1"/>
-          <p:nvPr/>
-        </p:nvSpPr>
-        <p:spPr>
-          <a:xfrm>
-            <a:off x="1482609" y="16822099"/>
-            <a:ext cx="6497055" cy="769441"/>
-          </a:xfrm>
-          <a:prstGeom prst="rect">
-            <a:avLst/>
-          </a:prstGeom>
-          <a:noFill/>
-        </p:spPr>
-        <p:txBody>
-          <a:bodyPr wrap="square" rtlCol="0">
-            <a:spAutoFit/>
-          </a:bodyPr>
-          <a:lstStyle/>
-          <a:p>
-            <a:r>
-              <a:rPr lang="en-US" sz="4400" dirty="0">
-                <a:solidFill>
-                  <a:schemeClr val="bg1">
-                    <a:lumMod val="95000"/>
-                  </a:schemeClr>
-                </a:solidFill>
-                <a:latin typeface="Garamond" panose="02020404030301010803" pitchFamily="18" charset="0"/>
-              </a:rPr>
-              <a:t>IMAGE OF DATA</a:t>
-            </a:r>
+          <a:p>
+            <a:pPr marL="571500" indent="-571500">
+              <a:buFont typeface="Arial" panose="020B0604020202020204" pitchFamily="34" charset="0"/>
+              <a:buChar char="•"/>
+            </a:pPr>
             <a:endParaRPr lang="en-US" sz="4000" dirty="0">
               <a:solidFill>
                 <a:schemeClr val="bg1">
@@ -7177,48 +7130,12 @@
               <a:latin typeface="Garamond" panose="02020404030301010803" pitchFamily="18" charset="0"/>
             </a:endParaRPr>
           </a:p>
-        </p:txBody>
-      </p:sp>
-      <p:sp>
-        <p:nvSpPr>
-          <p:cNvPr id="4" name="TextBox 3">
-            <a:extLst>
-              <a:ext uri="{FF2B5EF4-FFF2-40B4-BE49-F238E27FC236}">
-                <a16:creationId xmlns:a16="http://schemas.microsoft.com/office/drawing/2014/main" id="{61D4AD78-DF57-7F43-0748-94BF1385B868}"/>
-              </a:ext>
-            </a:extLst>
-          </p:cNvPr>
-          <p:cNvSpPr txBox="1"/>
-          <p:nvPr/>
-        </p:nvSpPr>
-        <p:spPr>
-          <a:xfrm>
-            <a:off x="8931397" y="22715959"/>
-            <a:ext cx="3984503" cy="1446550"/>
-          </a:xfrm>
-          <a:prstGeom prst="rect">
-            <a:avLst/>
-          </a:prstGeom>
-          <a:noFill/>
-        </p:spPr>
-        <p:txBody>
-          <a:bodyPr wrap="square" rtlCol="0">
-            <a:spAutoFit/>
-          </a:bodyPr>
-          <a:lstStyle/>
-          <a:p>
-            <a:r>
-              <a:rPr lang="en-US" sz="4400" dirty="0">
-                <a:solidFill>
-                  <a:schemeClr val="bg1">
-                    <a:lumMod val="95000"/>
-                  </a:schemeClr>
-                </a:solidFill>
-                <a:latin typeface="Garamond" panose="02020404030301010803" pitchFamily="18" charset="0"/>
-              </a:rPr>
-              <a:t>IMAGE OF WORKSHEET</a:t>
-            </a:r>
-            <a:endParaRPr lang="en-US" sz="4000" dirty="0">
+          <a:p>
+            <a:pPr marL="571500" indent="-571500">
+              <a:buFont typeface="Arial" panose="020B0604020202020204" pitchFamily="34" charset="0"/>
+              <a:buChar char="•"/>
+            </a:pPr>
+            <a:endParaRPr lang="en-US" sz="3600" dirty="0">
               <a:solidFill>
                 <a:schemeClr val="bg1">
                   <a:lumMod val="95000"/>
@@ -7243,7 +7160,7 @@
         </p:nvSpPr>
         <p:spPr>
           <a:xfrm>
-            <a:off x="16924561" y="7001966"/>
+            <a:off x="16924560" y="6971717"/>
             <a:ext cx="9908930" cy="1107996"/>
           </a:xfrm>
           <a:prstGeom prst="rect">
@@ -7285,8 +7202,8 @@
         </p:nvSpPr>
         <p:spPr>
           <a:xfrm>
-            <a:off x="15454490" y="14204273"/>
-            <a:ext cx="12849071" cy="5447645"/>
+            <a:off x="15414171" y="14032729"/>
+            <a:ext cx="12849071" cy="5878532"/>
           </a:xfrm>
           <a:prstGeom prst="rect">
             <a:avLst/>
@@ -7299,6 +7216,7 @@
           </a:bodyPr>
           <a:lstStyle/>
           <a:p>
+            <a:pPr algn="ctr"/>
             <a:r>
               <a:rPr lang="en-US" sz="6000" dirty="0">
                 <a:solidFill>
@@ -7315,7 +7233,7 @@
               <a:buChar char="•"/>
             </a:pPr>
             <a:r>
-              <a:rPr lang="en-US" sz="3600" dirty="0">
+              <a:rPr lang="en-US" sz="4000" dirty="0">
                 <a:solidFill>
                   <a:schemeClr val="bg1">
                     <a:lumMod val="95000"/>
@@ -7332,7 +7250,7 @@
               <a:buChar char="•"/>
             </a:pPr>
             <a:r>
-              <a:rPr lang="en-US" sz="3600" dirty="0">
+              <a:rPr lang="en-US" sz="4000" dirty="0">
                 <a:solidFill>
                   <a:schemeClr val="bg1">
                     <a:lumMod val="95000"/>
@@ -7349,7 +7267,7 @@
               <a:buChar char="•"/>
             </a:pPr>
             <a:r>
-              <a:rPr lang="en-US" sz="3600" dirty="0">
+              <a:rPr lang="en-US" sz="4000" dirty="0">
                 <a:solidFill>
                   <a:schemeClr val="bg1">
                     <a:lumMod val="95000"/>
@@ -7388,8 +7306,8 @@
         </p:nvSpPr>
         <p:spPr>
           <a:xfrm>
-            <a:off x="15532308" y="24960449"/>
-            <a:ext cx="12842095" cy="3139321"/>
+            <a:off x="15480728" y="25918295"/>
+            <a:ext cx="12842095" cy="3323987"/>
           </a:xfrm>
           <a:prstGeom prst="rect">
             <a:avLst/>
@@ -7402,7 +7320,7 @@
           </a:bodyPr>
           <a:lstStyle/>
           <a:p>
-            <a:pPr>
+            <a:pPr algn="ctr">
               <a:lnSpc>
                 <a:spcPct val="150000"/>
               </a:lnSpc>
@@ -7414,7 +7332,7 @@
                 </a:solidFill>
                 <a:latin typeface="Garamond" panose="02020404030301010803" pitchFamily="18" charset="0"/>
               </a:rPr>
-              <a:t>What will be learned</a:t>
+              <a:t>What will be learned?</a:t>
             </a:r>
             <a:endParaRPr lang="en-US" sz="3600" dirty="0">
               <a:solidFill>
@@ -7429,7 +7347,7 @@
               <a:buChar char="•"/>
             </a:pPr>
             <a:r>
-              <a:rPr lang="en-US" sz="3600" dirty="0">
+              <a:rPr lang="en-US" sz="4000" dirty="0">
                 <a:solidFill>
                   <a:schemeClr val="bg1"/>
                 </a:solidFill>
@@ -7438,7 +7356,7 @@
               <a:t>Visualizing 2021 F1 data to observe trends using </a:t>
             </a:r>
             <a:r>
-              <a:rPr lang="en-US" sz="3600" dirty="0" err="1">
+              <a:rPr lang="en-US" sz="4000" dirty="0" err="1">
                 <a:solidFill>
                   <a:schemeClr val="bg1"/>
                 </a:solidFill>
@@ -7446,7 +7364,7 @@
               </a:rPr>
               <a:t>ggplot</a:t>
             </a:r>
-            <a:endParaRPr lang="en-US" sz="3600" dirty="0">
+            <a:endParaRPr lang="en-US" sz="4000" dirty="0">
               <a:solidFill>
                 <a:schemeClr val="bg1"/>
               </a:solidFill>
@@ -7459,7 +7377,7 @@
               <a:buChar char="•"/>
             </a:pPr>
             <a:r>
-              <a:rPr lang="en-US" sz="3600" dirty="0">
+              <a:rPr lang="en-US" sz="4000" dirty="0">
                 <a:solidFill>
                   <a:schemeClr val="bg1"/>
                 </a:solidFill>
@@ -7484,8 +7402,8 @@
         </p:nvSpPr>
         <p:spPr>
           <a:xfrm>
-            <a:off x="30768609" y="7001966"/>
-            <a:ext cx="11151946" cy="4801314"/>
+            <a:off x="30143114" y="8617279"/>
+            <a:ext cx="5860125" cy="6863417"/>
           </a:xfrm>
           <a:prstGeom prst="rect">
             <a:avLst/>
@@ -7498,28 +7416,12 @@
           </a:bodyPr>
           <a:lstStyle/>
           <a:p>
-            <a:pPr algn="ctr">
-              <a:lnSpc>
-                <a:spcPct val="150000"/>
-              </a:lnSpc>
-            </a:pPr>
-            <a:r>
-              <a:rPr lang="en-US" sz="6000" dirty="0">
-                <a:solidFill>
-                  <a:schemeClr val="bg1"/>
-                </a:solidFill>
-                <a:latin typeface="Garamond" panose="02020404030301010803" pitchFamily="18" charset="0"/>
-              </a:rPr>
-              <a:t>Making the Module</a:t>
-            </a:r>
-          </a:p>
-          <a:p>
-            <a:pPr marL="571500" indent="-571500">
+            <a:pPr marL="857250" indent="-857250">
               <a:buFont typeface="Arial" panose="020B0604020202020204" pitchFamily="34" charset="0"/>
               <a:buChar char="•"/>
             </a:pPr>
             <a:r>
-              <a:rPr lang="en-US" sz="3600" dirty="0">
+              <a:rPr lang="en-US" sz="4000" dirty="0">
                 <a:solidFill>
                   <a:schemeClr val="bg1"/>
                 </a:solidFill>
@@ -7529,27 +7431,27 @@
             </a:r>
           </a:p>
           <a:p>
-            <a:pPr marL="571500" indent="-571500">
+            <a:pPr marL="857250" indent="-857250">
               <a:buFont typeface="Arial" panose="020B0604020202020204" pitchFamily="34" charset="0"/>
               <a:buChar char="•"/>
             </a:pPr>
             <a:r>
-              <a:rPr lang="en-US" sz="3600" dirty="0">
+              <a:rPr lang="en-US" sz="4000" dirty="0">
                 <a:solidFill>
                   <a:schemeClr val="bg1"/>
                 </a:solidFill>
                 <a:latin typeface="Garamond" panose="02020404030301010803" pitchFamily="18" charset="0"/>
               </a:rPr>
-              <a:t>Filtered out for only the 2021 season with the divers that competed during that season. </a:t>
-            </a:r>
-          </a:p>
-          <a:p>
-            <a:pPr marL="571500" indent="-571500">
+              <a:t>Filtered out for only the 2021 season with the divers that  competed during that season. </a:t>
+            </a:r>
+          </a:p>
+          <a:p>
+            <a:pPr marL="857250" indent="-857250">
               <a:buFont typeface="Arial" panose="020B0604020202020204" pitchFamily="34" charset="0"/>
               <a:buChar char="•"/>
             </a:pPr>
             <a:r>
-              <a:rPr lang="en-US" sz="3600" dirty="0">
+              <a:rPr lang="en-US" sz="4000" dirty="0">
                 <a:solidFill>
                   <a:schemeClr val="bg1"/>
                 </a:solidFill>
@@ -7557,57 +7459,6 @@
               </a:rPr>
               <a:t>Joined all of the data sets into one data frame to work easily with the data. </a:t>
             </a:r>
-          </a:p>
-        </p:txBody>
-      </p:sp>
-      <p:sp>
-        <p:nvSpPr>
-          <p:cNvPr id="25" name="TextBox 24">
-            <a:extLst>
-              <a:ext uri="{FF2B5EF4-FFF2-40B4-BE49-F238E27FC236}">
-                <a16:creationId xmlns:a16="http://schemas.microsoft.com/office/drawing/2014/main" id="{CADF9753-7BB8-EEDB-CBC2-BB9F443C80A0}"/>
-              </a:ext>
-            </a:extLst>
-          </p:cNvPr>
-          <p:cNvSpPr txBox="1"/>
-          <p:nvPr/>
-        </p:nvSpPr>
-        <p:spPr>
-          <a:xfrm>
-            <a:off x="15982402" y="21430312"/>
-            <a:ext cx="10851089" cy="1347100"/>
-          </a:xfrm>
-          <a:prstGeom prst="rect">
-            <a:avLst/>
-          </a:prstGeom>
-          <a:noFill/>
-        </p:spPr>
-        <p:txBody>
-          <a:bodyPr wrap="square" rtlCol="0">
-            <a:spAutoFit/>
-          </a:bodyPr>
-          <a:lstStyle/>
-          <a:p>
-            <a:pPr algn="ctr">
-              <a:lnSpc>
-                <a:spcPct val="150000"/>
-              </a:lnSpc>
-            </a:pPr>
-            <a:r>
-              <a:rPr lang="en-US" sz="6000" dirty="0">
-                <a:solidFill>
-                  <a:schemeClr val="bg1"/>
-                </a:solidFill>
-                <a:latin typeface="Garamond" panose="02020404030301010803" pitchFamily="18" charset="0"/>
-              </a:rPr>
-              <a:t>IMAGE OF GRAPH</a:t>
-            </a:r>
-            <a:endParaRPr lang="en-US" sz="3600" dirty="0">
-              <a:solidFill>
-                <a:schemeClr val="bg1"/>
-              </a:solidFill>
-              <a:latin typeface="Garamond" panose="02020404030301010803" pitchFamily="18" charset="0"/>
-            </a:endParaRPr>
           </a:p>
         </p:txBody>
       </p:sp>
@@ -7633,8 +7484,8 @@
         </p:blipFill>
         <p:spPr>
           <a:xfrm>
-            <a:off x="20384676" y="28802573"/>
-            <a:ext cx="3137358" cy="3031366"/>
+            <a:off x="20896404" y="29560968"/>
+            <a:ext cx="2113903" cy="2042487"/>
           </a:xfrm>
           <a:prstGeom prst="rect">
             <a:avLst/>
@@ -7670,7 +7521,7 @@
         </p:blipFill>
         <p:spPr bwMode="auto">
           <a:xfrm>
-            <a:off x="17609196" y="8776003"/>
+            <a:off x="17576333" y="8714216"/>
             <a:ext cx="8214886" cy="4600336"/>
           </a:xfrm>
           <a:prstGeom prst="rect">
@@ -7688,6 +7539,317 @@
           </a:extLst>
         </p:spPr>
       </p:pic>
+      <p:pic>
+        <p:nvPicPr>
+          <p:cNvPr id="34" name="Picture 33" descr="A screenshot of a computer&#10;&#10;AI-generated content may be incorrect.">
+            <a:extLst>
+              <a:ext uri="{FF2B5EF4-FFF2-40B4-BE49-F238E27FC236}">
+                <a16:creationId xmlns:a16="http://schemas.microsoft.com/office/drawing/2014/main" id="{138D3DD8-223D-74D1-D63D-A158844DD983}"/>
+              </a:ext>
+            </a:extLst>
+          </p:cNvPr>
+          <p:cNvPicPr>
+            <a:picLocks noChangeAspect="1"/>
+          </p:cNvPicPr>
+          <p:nvPr/>
+        </p:nvPicPr>
+        <p:blipFill>
+          <a:blip r:embed="rId5"/>
+          <a:stretch>
+            <a:fillRect/>
+          </a:stretch>
+        </p:blipFill>
+        <p:spPr>
+          <a:xfrm>
+            <a:off x="35357522" y="15656258"/>
+            <a:ext cx="6953886" cy="4566211"/>
+          </a:xfrm>
+          <a:prstGeom prst="rect">
+            <a:avLst/>
+          </a:prstGeom>
+        </p:spPr>
+      </p:pic>
+      <p:pic>
+        <p:nvPicPr>
+          <p:cNvPr id="36" name="Picture 35" descr="A screenshot of a computer&#10;&#10;AI-generated content may be incorrect.">
+            <a:extLst>
+              <a:ext uri="{FF2B5EF4-FFF2-40B4-BE49-F238E27FC236}">
+                <a16:creationId xmlns:a16="http://schemas.microsoft.com/office/drawing/2014/main" id="{A26BAB7D-7EF1-C97E-B2C9-794920FCA303}"/>
+              </a:ext>
+            </a:extLst>
+          </p:cNvPr>
+          <p:cNvPicPr>
+            <a:picLocks noChangeAspect="1"/>
+          </p:cNvPicPr>
+          <p:nvPr/>
+        </p:nvPicPr>
+        <p:blipFill>
+          <a:blip r:embed="rId6"/>
+          <a:stretch>
+            <a:fillRect/>
+          </a:stretch>
+        </p:blipFill>
+        <p:spPr>
+          <a:xfrm>
+            <a:off x="36003239" y="8868406"/>
+            <a:ext cx="6284883" cy="5418281"/>
+          </a:xfrm>
+          <a:prstGeom prst="rect">
+            <a:avLst/>
+          </a:prstGeom>
+        </p:spPr>
+      </p:pic>
+      <p:pic>
+        <p:nvPicPr>
+          <p:cNvPr id="40" name="Picture 39" descr="A screenshot of a computer&#10;&#10;AI-generated content may be incorrect.">
+            <a:extLst>
+              <a:ext uri="{FF2B5EF4-FFF2-40B4-BE49-F238E27FC236}">
+                <a16:creationId xmlns:a16="http://schemas.microsoft.com/office/drawing/2014/main" id="{E3B3CDE2-4FE1-8E78-CDE8-3C59EC8A3EC1}"/>
+              </a:ext>
+            </a:extLst>
+          </p:cNvPr>
+          <p:cNvPicPr>
+            <a:picLocks noChangeAspect="1"/>
+          </p:cNvPicPr>
+          <p:nvPr/>
+        </p:nvPicPr>
+        <p:blipFill>
+          <a:blip r:embed="rId7"/>
+          <a:stretch>
+            <a:fillRect/>
+          </a:stretch>
+        </p:blipFill>
+        <p:spPr>
+          <a:xfrm>
+            <a:off x="30174819" y="23569115"/>
+            <a:ext cx="10940523" cy="6580004"/>
+          </a:xfrm>
+          <a:prstGeom prst="rect">
+            <a:avLst/>
+          </a:prstGeom>
+        </p:spPr>
+      </p:pic>
+      <p:pic>
+        <p:nvPicPr>
+          <p:cNvPr id="43" name="Picture 42" descr="A graph with dots and numbers&#10;&#10;AI-generated content may be incorrect.">
+            <a:extLst>
+              <a:ext uri="{FF2B5EF4-FFF2-40B4-BE49-F238E27FC236}">
+                <a16:creationId xmlns:a16="http://schemas.microsoft.com/office/drawing/2014/main" id="{6AC0A5E9-300A-10E7-30AD-418DDAEE8168}"/>
+              </a:ext>
+            </a:extLst>
+          </p:cNvPr>
+          <p:cNvPicPr>
+            <a:picLocks noChangeAspect="1"/>
+          </p:cNvPicPr>
+          <p:nvPr/>
+        </p:nvPicPr>
+        <p:blipFill>
+          <a:blip r:embed="rId8"/>
+          <a:stretch>
+            <a:fillRect/>
+          </a:stretch>
+        </p:blipFill>
+        <p:spPr>
+          <a:xfrm>
+            <a:off x="16720306" y="19525506"/>
+            <a:ext cx="9926939" cy="5994395"/>
+          </a:xfrm>
+          <a:prstGeom prst="rect">
+            <a:avLst/>
+          </a:prstGeom>
+        </p:spPr>
+      </p:pic>
+      <p:pic>
+        <p:nvPicPr>
+          <p:cNvPr id="50" name="Picture 49" descr="A screenshot of a computer&#10;&#10;AI-generated content may be incorrect.">
+            <a:extLst>
+              <a:ext uri="{FF2B5EF4-FFF2-40B4-BE49-F238E27FC236}">
+                <a16:creationId xmlns:a16="http://schemas.microsoft.com/office/drawing/2014/main" id="{1BE0FCE3-C8B6-D7C1-7AEC-EE569BE232B5}"/>
+              </a:ext>
+            </a:extLst>
+          </p:cNvPr>
+          <p:cNvPicPr>
+            <a:picLocks noChangeAspect="1"/>
+          </p:cNvPicPr>
+          <p:nvPr/>
+        </p:nvPicPr>
+        <p:blipFill>
+          <a:blip r:embed="rId9"/>
+          <a:stretch>
+            <a:fillRect/>
+          </a:stretch>
+        </p:blipFill>
+        <p:spPr>
+          <a:xfrm>
+            <a:off x="3070977" y="12534394"/>
+            <a:ext cx="9149947" cy="5028492"/>
+          </a:xfrm>
+          <a:prstGeom prst="rect">
+            <a:avLst/>
+          </a:prstGeom>
+        </p:spPr>
+      </p:pic>
+      <p:sp>
+        <p:nvSpPr>
+          <p:cNvPr id="54" name="TextBox 53">
+            <a:extLst>
+              <a:ext uri="{FF2B5EF4-FFF2-40B4-BE49-F238E27FC236}">
+                <a16:creationId xmlns:a16="http://schemas.microsoft.com/office/drawing/2014/main" id="{A6762233-6128-3689-43B5-2657B014B511}"/>
+              </a:ext>
+            </a:extLst>
+          </p:cNvPr>
+          <p:cNvSpPr txBox="1"/>
+          <p:nvPr/>
+        </p:nvSpPr>
+        <p:spPr>
+          <a:xfrm>
+            <a:off x="33030677" y="7030220"/>
+            <a:ext cx="8431412" cy="1107996"/>
+          </a:xfrm>
+          <a:prstGeom prst="rect">
+            <a:avLst/>
+          </a:prstGeom>
+          <a:noFill/>
+        </p:spPr>
+        <p:txBody>
+          <a:bodyPr wrap="square" rtlCol="0">
+            <a:spAutoFit/>
+          </a:bodyPr>
+          <a:lstStyle/>
+          <a:p>
+            <a:r>
+              <a:rPr lang="en-US" sz="6600" dirty="0">
+                <a:solidFill>
+                  <a:schemeClr val="bg1"/>
+                </a:solidFill>
+                <a:latin typeface="Garamond" panose="02020404030301010803" pitchFamily="18" charset="0"/>
+              </a:rPr>
+              <a:t>Making the Module</a:t>
+            </a:r>
+          </a:p>
+        </p:txBody>
+      </p:sp>
+      <p:sp>
+        <p:nvSpPr>
+          <p:cNvPr id="58" name="TextBox 57">
+            <a:extLst>
+              <a:ext uri="{FF2B5EF4-FFF2-40B4-BE49-F238E27FC236}">
+                <a16:creationId xmlns:a16="http://schemas.microsoft.com/office/drawing/2014/main" id="{8B7DD721-DDD0-CECA-CA8A-E2E778E6BD35}"/>
+              </a:ext>
+            </a:extLst>
+          </p:cNvPr>
+          <p:cNvSpPr txBox="1"/>
+          <p:nvPr/>
+        </p:nvSpPr>
+        <p:spPr>
+          <a:xfrm>
+            <a:off x="35210476" y="20820039"/>
+            <a:ext cx="7292150" cy="2554545"/>
+          </a:xfrm>
+          <a:prstGeom prst="rect">
+            <a:avLst/>
+          </a:prstGeom>
+          <a:noFill/>
+        </p:spPr>
+        <p:txBody>
+          <a:bodyPr wrap="square" rtlCol="0">
+            <a:spAutoFit/>
+          </a:bodyPr>
+          <a:lstStyle/>
+          <a:p>
+            <a:pPr marL="571500" indent="-571500">
+              <a:buFont typeface="Arial" panose="020B0604020202020204" pitchFamily="34" charset="0"/>
+              <a:buChar char="•"/>
+            </a:pPr>
+            <a:r>
+              <a:rPr lang="en-US" sz="4000" dirty="0">
+                <a:solidFill>
+                  <a:schemeClr val="bg1"/>
+                </a:solidFill>
+                <a:latin typeface="Garamond" panose="02020404030301010803" pitchFamily="18" charset="0"/>
+              </a:rPr>
+              <a:t>The worksheet has users filter the data and notice flaws in the given code that needs to be corrected</a:t>
+            </a:r>
+          </a:p>
+        </p:txBody>
+      </p:sp>
+      <p:pic>
+        <p:nvPicPr>
+          <p:cNvPr id="60" name="Picture 59" descr="A screenshot of a computer&#10;&#10;AI-generated content may be incorrect.">
+            <a:extLst>
+              <a:ext uri="{FF2B5EF4-FFF2-40B4-BE49-F238E27FC236}">
+                <a16:creationId xmlns:a16="http://schemas.microsoft.com/office/drawing/2014/main" id="{AEF2CAAB-18AB-0BA5-0985-7C97D864D10E}"/>
+              </a:ext>
+            </a:extLst>
+          </p:cNvPr>
+          <p:cNvPicPr>
+            <a:picLocks noChangeAspect="1"/>
+          </p:cNvPicPr>
+          <p:nvPr/>
+        </p:nvPicPr>
+        <p:blipFill>
+          <a:blip r:embed="rId10"/>
+          <a:stretch>
+            <a:fillRect/>
+          </a:stretch>
+        </p:blipFill>
+        <p:spPr>
+          <a:xfrm>
+            <a:off x="30174820" y="19221873"/>
+            <a:ext cx="4810508" cy="3970317"/>
+          </a:xfrm>
+          <a:prstGeom prst="rect">
+            <a:avLst/>
+          </a:prstGeom>
+        </p:spPr>
+      </p:pic>
+      <p:sp>
+        <p:nvSpPr>
+          <p:cNvPr id="61" name="TextBox 60">
+            <a:extLst>
+              <a:ext uri="{FF2B5EF4-FFF2-40B4-BE49-F238E27FC236}">
+                <a16:creationId xmlns:a16="http://schemas.microsoft.com/office/drawing/2014/main" id="{27E408A6-2F5E-19E4-FA9B-C769E85E8F57}"/>
+              </a:ext>
+            </a:extLst>
+          </p:cNvPr>
+          <p:cNvSpPr txBox="1"/>
+          <p:nvPr/>
+        </p:nvSpPr>
+        <p:spPr>
+          <a:xfrm>
+            <a:off x="30174820" y="15624115"/>
+            <a:ext cx="5114712" cy="2831544"/>
+          </a:xfrm>
+          <a:prstGeom prst="rect">
+            <a:avLst/>
+          </a:prstGeom>
+          <a:noFill/>
+        </p:spPr>
+        <p:txBody>
+          <a:bodyPr wrap="square" rtlCol="0">
+            <a:spAutoFit/>
+          </a:bodyPr>
+          <a:lstStyle/>
+          <a:p>
+            <a:pPr marL="857250" indent="-857250">
+              <a:buFont typeface="Arial" panose="020B0604020202020204" pitchFamily="34" charset="0"/>
+              <a:buChar char="•"/>
+            </a:pPr>
+            <a:r>
+              <a:rPr lang="en-US" sz="4000" dirty="0">
+                <a:solidFill>
+                  <a:schemeClr val="bg1"/>
+                </a:solidFill>
+                <a:latin typeface="Garamond" panose="02020404030301010803" pitchFamily="18" charset="0"/>
+              </a:rPr>
+              <a:t>Introduction which describes F1 and what the module is going to entail. </a:t>
+            </a:r>
+          </a:p>
+          <a:p>
+            <a:endParaRPr lang="en-US" dirty="0"/>
+          </a:p>
+        </p:txBody>
+      </p:sp>
     </p:spTree>
     <p:extLst>
       <p:ext uri="{BB962C8B-B14F-4D97-AF65-F5344CB8AC3E}">

--- a/cgartner/F1/CGartner_F1_Poster.pptx
+++ b/cgartner/F1/CGartner_F1_Poster.pptx
@@ -126,6 +126,7 @@
 <file path=ppt/authors.xml><?xml version="1.0" encoding="utf-8"?>
 <p188:authorLst xmlns:a="http://schemas.openxmlformats.org/drawingml/2006/main" xmlns:r="http://schemas.openxmlformats.org/officeDocument/2006/relationships" xmlns:p188="http://schemas.microsoft.com/office/powerpoint/2018/8/main">
   <p188:author id="{A51B6F37-B3E1-AFA4-F2DD-FF30D967A239}" name="Matthew Maslow" initials="MM" userId="S::mjmasl20@stlawu.edu::1ce7970f-4ea1-47bb-a8d0-63fe802cde15" providerId="AD"/>
+  <p188:author id="{4695908A-6B9C-3E3B-FC87-26ABF3AEE448}" name="Ivan Ramler" initials="IR" userId="S::iramler@stlawu.edu::6dd53b52-6de7-4a88-aef0-9ac011540ee8" providerId="AD"/>
 </p188:authorLst>
 </file>
 
@@ -494,6 +495,103 @@
 </pc:chgInfo>
 </file>
 
+<file path=ppt/comments/modernComment_100_E0F3E25F.xml><?xml version="1.0" encoding="utf-8"?>
+<p188:cmLst xmlns:a="http://schemas.openxmlformats.org/drawingml/2006/main" xmlns:r="http://schemas.openxmlformats.org/officeDocument/2006/relationships" xmlns:p188="http://schemas.microsoft.com/office/powerpoint/2018/8/main">
+  <p188:cm id="{58DA013D-8E1E-40F4-BD33-E58734E1C857}" authorId="{4695908A-6B9C-3E3B-FC87-26ABF3AEE448}" created="2025-04-16T22:22:44.435">
+    <ac:txMkLst xmlns:ac="http://schemas.microsoft.com/office/drawing/2013/main/command">
+      <pc:docMk xmlns:pc="http://schemas.microsoft.com/office/powerpoint/2013/main/command"/>
+      <pc:sldMk xmlns:pc="http://schemas.microsoft.com/office/powerpoint/2013/main/command" cId="3774079583" sldId="256"/>
+      <ac:spMk id="39" creationId="{D513D7DC-86D1-F0F1-C9DF-EC5A3536ED48}"/>
+      <ac:txMk cp="0" len="164">
+        <ac:context len="165" hash="1310482642"/>
+      </ac:txMk>
+    </ac:txMkLst>
+    <p188:pos x="12115403" y="738994"/>
+    <p188:txBody>
+      <a:bodyPr/>
+      <a:lstStyle/>
+      <a:p>
+        <a:r>
+          <a:rPr lang="en-US"/>
+          <a:t>Since you have vertical room in this column, I’d maybe add a little more about SCORE hear.
+Including your role in it</a:t>
+        </a:r>
+      </a:p>
+    </p188:txBody>
+  </p188:cm>
+  <p188:cm id="{49ACC74A-D557-485F-8CB3-CE9A8519531B}" authorId="{4695908A-6B9C-3E3B-FC87-26ABF3AEE448}" created="2025-04-16T22:24:16.316">
+    <ac:txMkLst xmlns:ac="http://schemas.microsoft.com/office/drawing/2013/main/command">
+      <pc:docMk xmlns:pc="http://schemas.microsoft.com/office/powerpoint/2013/main/command"/>
+      <pc:sldMk xmlns:pc="http://schemas.microsoft.com/office/powerpoint/2013/main/command" cId="3774079583" sldId="256"/>
+      <ac:spMk id="5" creationId="{B9C82B1F-7276-4A59-26FA-7406D9E0AA55}"/>
+      <ac:txMk cp="0" len="16">
+        <ac:context len="17" hash="3204921352"/>
+      </ac:txMk>
+    </ac:txMkLst>
+    <p188:pos x="8118201" y="726941"/>
+    <p188:txBody>
+      <a:bodyPr/>
+      <a:lstStyle/>
+      <a:p>
+        <a:r>
+          <a:rPr lang="en-US"/>
+          <a:t>Formula 1 (F1) Racing</a:t>
+        </a:r>
+      </a:p>
+    </p188:txBody>
+  </p188:cm>
+  <p188:cm id="{13A820CA-329E-439B-A57C-514018F6693C}" authorId="{4695908A-6B9C-3E3B-FC87-26ABF3AEE448}" created="2025-04-16T22:24:51.572">
+    <ac:deMkLst xmlns:ac="http://schemas.microsoft.com/office/drawing/2013/main/command">
+      <pc:docMk xmlns:pc="http://schemas.microsoft.com/office/powerpoint/2013/main/command"/>
+      <pc:sldMk xmlns:pc="http://schemas.microsoft.com/office/powerpoint/2013/main/command" cId="3774079583" sldId="256"/>
+      <ac:picMk id="27" creationId="{279E110B-7038-4BC6-76D9-936900E1A9A0}"/>
+    </ac:deMkLst>
+    <p188:replyLst>
+      <p188:reply id="{20707B15-28FB-4EDC-8448-62A03A12F7E3}" authorId="{4695908A-6B9C-3E3B-FC87-26ABF3AEE448}" created="2025-04-16T22:25:13.289">
+        <p188:txBody>
+          <a:bodyPr/>
+          <a:lstStyle/>
+          <a:p>
+            <a:r>
+              <a:rPr lang="en-US"/>
+              <a:t>(even just as a caption on a figure would likely work)</a:t>
+            </a:r>
+          </a:p>
+        </p188:txBody>
+      </p188:reply>
+    </p188:replyLst>
+    <p188:txBody>
+      <a:bodyPr/>
+      <a:lstStyle/>
+      <a:p>
+        <a:r>
+          <a:rPr lang="en-US"/>
+          <a:t>Make it clear what this is a QR Code to</a:t>
+        </a:r>
+      </a:p>
+    </p188:txBody>
+  </p188:cm>
+  <p188:cm id="{EFEDD60A-334F-497E-89BC-E6355B7FB89C}" authorId="{4695908A-6B9C-3E3B-FC87-26ABF3AEE448}" created="2025-04-16T22:31:07.723">
+    <ac:deMkLst xmlns:ac="http://schemas.microsoft.com/office/drawing/2013/main/command">
+      <pc:docMk xmlns:pc="http://schemas.microsoft.com/office/powerpoint/2013/main/command"/>
+      <pc:sldMk xmlns:pc="http://schemas.microsoft.com/office/powerpoint/2013/main/command" cId="3774079583" sldId="256"/>
+      <ac:spMk id="13" creationId="{E1B91D1E-FDC1-E15C-DD50-B575DFE7B87A}"/>
+    </ac:deMkLst>
+    <p188:txBody>
+      <a:bodyPr/>
+      <a:lstStyle/>
+      <a:p>
+        <a:r>
+          <a:rPr lang="en-US"/>
+          <a:t>Margins for the text don’t seem to matcvh the other bullets
+</a:t>
+        </a:r>
+      </a:p>
+    </p188:txBody>
+  </p188:cm>
+</p188:cmLst>
+</file>
+
 <file path=ppt/slideLayouts/slideLayout1.xml><?xml version="1.0" encoding="utf-8"?>
 <p:sldLayout xmlns:a="http://schemas.openxmlformats.org/drawingml/2006/main" xmlns:r="http://schemas.openxmlformats.org/officeDocument/2006/relationships" xmlns:p="http://schemas.openxmlformats.org/presentationml/2006/main" type="title" preserve="1">
   <p:cSld name="Title Slide">
@@ -641,7 +739,7 @@
           <a:p>
             <a:fld id="{2DC29746-1088-C241-BC8C-4CC03DF23E15}" type="datetimeFigureOut">
               <a:rPr lang="en-US" smtClean="0"/>
-              <a:t>4/10/25</a:t>
+              <a:t>4/16/2025</a:t>
             </a:fld>
             <a:endParaRPr lang="en-US"/>
           </a:p>
@@ -839,7 +937,7 @@
           <a:p>
             <a:fld id="{2DC29746-1088-C241-BC8C-4CC03DF23E15}" type="datetimeFigureOut">
               <a:rPr lang="en-US" smtClean="0"/>
-              <a:t>4/10/25</a:t>
+              <a:t>4/16/2025</a:t>
             </a:fld>
             <a:endParaRPr lang="en-US"/>
           </a:p>
@@ -1047,7 +1145,7 @@
           <a:p>
             <a:fld id="{2DC29746-1088-C241-BC8C-4CC03DF23E15}" type="datetimeFigureOut">
               <a:rPr lang="en-US" smtClean="0"/>
-              <a:t>4/10/25</a:t>
+              <a:t>4/16/2025</a:t>
             </a:fld>
             <a:endParaRPr lang="en-US"/>
           </a:p>
@@ -1245,7 +1343,7 @@
           <a:p>
             <a:fld id="{2DC29746-1088-C241-BC8C-4CC03DF23E15}" type="datetimeFigureOut">
               <a:rPr lang="en-US" smtClean="0"/>
-              <a:t>4/10/25</a:t>
+              <a:t>4/16/2025</a:t>
             </a:fld>
             <a:endParaRPr lang="en-US"/>
           </a:p>
@@ -1520,7 +1618,7 @@
           <a:p>
             <a:fld id="{2DC29746-1088-C241-BC8C-4CC03DF23E15}" type="datetimeFigureOut">
               <a:rPr lang="en-US" smtClean="0"/>
-              <a:t>4/10/25</a:t>
+              <a:t>4/16/2025</a:t>
             </a:fld>
             <a:endParaRPr lang="en-US"/>
           </a:p>
@@ -1785,7 +1883,7 @@
           <a:p>
             <a:fld id="{2DC29746-1088-C241-BC8C-4CC03DF23E15}" type="datetimeFigureOut">
               <a:rPr lang="en-US" smtClean="0"/>
-              <a:t>4/10/25</a:t>
+              <a:t>4/16/2025</a:t>
             </a:fld>
             <a:endParaRPr lang="en-US"/>
           </a:p>
@@ -2197,7 +2295,7 @@
           <a:p>
             <a:fld id="{2DC29746-1088-C241-BC8C-4CC03DF23E15}" type="datetimeFigureOut">
               <a:rPr lang="en-US" smtClean="0"/>
-              <a:t>4/10/25</a:t>
+              <a:t>4/16/2025</a:t>
             </a:fld>
             <a:endParaRPr lang="en-US"/>
           </a:p>
@@ -2338,7 +2436,7 @@
           <a:p>
             <a:fld id="{2DC29746-1088-C241-BC8C-4CC03DF23E15}" type="datetimeFigureOut">
               <a:rPr lang="en-US" smtClean="0"/>
-              <a:t>4/10/25</a:t>
+              <a:t>4/16/2025</a:t>
             </a:fld>
             <a:endParaRPr lang="en-US"/>
           </a:p>
@@ -2451,7 +2549,7 @@
           <a:p>
             <a:fld id="{2DC29746-1088-C241-BC8C-4CC03DF23E15}" type="datetimeFigureOut">
               <a:rPr lang="en-US" smtClean="0"/>
-              <a:t>4/10/25</a:t>
+              <a:t>4/16/2025</a:t>
             </a:fld>
             <a:endParaRPr lang="en-US"/>
           </a:p>
@@ -2762,7 +2860,7 @@
           <a:p>
             <a:fld id="{2DC29746-1088-C241-BC8C-4CC03DF23E15}" type="datetimeFigureOut">
               <a:rPr lang="en-US" smtClean="0"/>
-              <a:t>4/10/25</a:t>
+              <a:t>4/16/2025</a:t>
             </a:fld>
             <a:endParaRPr lang="en-US"/>
           </a:p>
@@ -3050,7 +3148,7 @@
           <a:p>
             <a:fld id="{2DC29746-1088-C241-BC8C-4CC03DF23E15}" type="datetimeFigureOut">
               <a:rPr lang="en-US" smtClean="0"/>
-              <a:t>4/10/25</a:t>
+              <a:t>4/16/2025</a:t>
             </a:fld>
             <a:endParaRPr lang="en-US"/>
           </a:p>
@@ -3291,7 +3389,7 @@
           <a:p>
             <a:fld id="{2DC29746-1088-C241-BC8C-4CC03DF23E15}" type="datetimeFigureOut">
               <a:rPr lang="en-US" smtClean="0"/>
-              <a:t>4/10/25</a:t>
+              <a:t>4/16/2025</a:t>
             </a:fld>
             <a:endParaRPr lang="en-US"/>
           </a:p>
@@ -3731,7 +3829,7 @@
           <p:nvPr/>
         </p:nvPicPr>
         <p:blipFill>
-          <a:blip r:embed="rId2"/>
+          <a:blip r:embed="rId3"/>
           <a:stretch>
             <a:fillRect/>
           </a:stretch>
@@ -3761,7 +3859,7 @@
           <p:nvPr/>
         </p:nvPicPr>
         <p:blipFill>
-          <a:blip r:embed="rId2"/>
+          <a:blip r:embed="rId3"/>
           <a:stretch>
             <a:fillRect/>
           </a:stretch>
@@ -7477,7 +7575,7 @@
           <p:nvPr/>
         </p:nvPicPr>
         <p:blipFill>
-          <a:blip r:embed="rId3"/>
+          <a:blip r:embed="rId4"/>
           <a:stretch>
             <a:fillRect/>
           </a:stretch>
@@ -7507,7 +7605,7 @@
           <p:nvPr/>
         </p:nvPicPr>
         <p:blipFill>
-          <a:blip r:embed="rId4">
+          <a:blip r:embed="rId5">
             <a:extLst>
               <a:ext uri="{28A0092B-C50C-407E-A947-70E740481C1C}">
                 <a14:useLocalDpi xmlns:a14="http://schemas.microsoft.com/office/drawing/2010/main" val="0"/>
@@ -7554,7 +7652,7 @@
           <p:nvPr/>
         </p:nvPicPr>
         <p:blipFill>
-          <a:blip r:embed="rId5"/>
+          <a:blip r:embed="rId6"/>
           <a:stretch>
             <a:fillRect/>
           </a:stretch>
@@ -7584,7 +7682,7 @@
           <p:nvPr/>
         </p:nvPicPr>
         <p:blipFill>
-          <a:blip r:embed="rId6"/>
+          <a:blip r:embed="rId7"/>
           <a:stretch>
             <a:fillRect/>
           </a:stretch>
@@ -7614,7 +7712,7 @@
           <p:nvPr/>
         </p:nvPicPr>
         <p:blipFill>
-          <a:blip r:embed="rId7"/>
+          <a:blip r:embed="rId8"/>
           <a:stretch>
             <a:fillRect/>
           </a:stretch>
@@ -7644,7 +7742,7 @@
           <p:nvPr/>
         </p:nvPicPr>
         <p:blipFill>
-          <a:blip r:embed="rId8"/>
+          <a:blip r:embed="rId9"/>
           <a:stretch>
             <a:fillRect/>
           </a:stretch>
@@ -7674,7 +7772,7 @@
           <p:nvPr/>
         </p:nvPicPr>
         <p:blipFill>
-          <a:blip r:embed="rId9"/>
+          <a:blip r:embed="rId10"/>
           <a:stretch>
             <a:fillRect/>
           </a:stretch>
@@ -7788,7 +7886,7 @@
           <p:nvPr/>
         </p:nvPicPr>
         <p:blipFill>
-          <a:blip r:embed="rId10"/>
+          <a:blip r:embed="rId11"/>
           <a:stretch>
             <a:fillRect/>
           </a:stretch>
@@ -7860,6 +7958,11 @@
   <p:clrMapOvr>
     <a:masterClrMapping/>
   </p:clrMapOvr>
+  <p:extLst>
+    <p:ext uri="{6950BFC3-D8DA-4A85-94F7-54DA5524770B}">
+      <p188:commentRel xmlns:p188="http://schemas.microsoft.com/office/powerpoint/2018/8/main" r:id="rId2"/>
+    </p:ext>
+  </p:extLst>
 </p:sld>
 </file>
 

--- a/cgartner/F1/CGartner_F1_Poster.pptx
+++ b/cgartner/F1/CGartner_F1_Poster.pptx
@@ -125,6 +125,7 @@
 
 <file path=ppt/authors.xml><?xml version="1.0" encoding="utf-8"?>
 <p188:authorLst xmlns:a="http://schemas.openxmlformats.org/drawingml/2006/main" xmlns:r="http://schemas.openxmlformats.org/officeDocument/2006/relationships" xmlns:p188="http://schemas.microsoft.com/office/powerpoint/2018/8/main">
+  <p188:author id="{355CDE18-53C7-DA2D-0226-90D576308725}" name="Charles Gartner" initials="CG" userId="S::cwgart21@stlawu.edu::7744f2c7-8fe5-47ef-beea-e148d4ee2f5b" providerId="AD"/>
   <p188:author id="{A51B6F37-B3E1-AFA4-F2DD-FF30D967A239}" name="Matthew Maslow" initials="MM" userId="S::mjmasl20@stlawu.edu::1ce7970f-4ea1-47bb-a8d0-63fe802cde15" providerId="AD"/>
   <p188:author id="{4695908A-6B9C-3E3B-FC87-26ABF3AEE448}" name="Ivan Ramler" initials="IR" userId="S::iramler@stlawu.edu::6dd53b52-6de7-4a88-aef0-9ac011540ee8" providerId="AD"/>
 </p188:authorLst>
@@ -133,7 +134,7 @@
 <file path=ppt/revisionInfo.xml><?xml version="1.0" encoding="utf-8"?>
 <p1510:revInfo xmlns:a="http://schemas.openxmlformats.org/drawingml/2006/main" xmlns:r="http://schemas.openxmlformats.org/officeDocument/2006/relationships" xmlns:p1510="http://schemas.microsoft.com/office/powerpoint/2015/10/main">
   <p1510:revLst>
-    <p1510:client id="{8AA443A0-2101-744B-B4A7-33AB9F9CA50D}" v="58" dt="2025-04-16T13:53:38.770"/>
+    <p1510:client id="{8AA443A0-2101-744B-B4A7-33AB9F9CA50D}" v="62" dt="2025-04-17T14:19:45.646"/>
   </p1510:revLst>
 </p1510:revInfo>
 </file>
@@ -143,58 +144,42 @@
   <pc:docChgLst>
     <pc:chgData name="Charles Gartner" userId="7744f2c7-8fe5-47ef-beea-e148d4ee2f5b" providerId="ADAL" clId="{8AA443A0-2101-744B-B4A7-33AB9F9CA50D}"/>
     <pc:docChg chg="undo custSel modSld">
-      <pc:chgData name="Charles Gartner" userId="7744f2c7-8fe5-47ef-beea-e148d4ee2f5b" providerId="ADAL" clId="{8AA443A0-2101-744B-B4A7-33AB9F9CA50D}" dt="2025-04-16T14:08:53.550" v="3089" actId="20577"/>
+      <pc:chgData name="Charles Gartner" userId="7744f2c7-8fe5-47ef-beea-e148d4ee2f5b" providerId="ADAL" clId="{8AA443A0-2101-744B-B4A7-33AB9F9CA50D}" dt="2025-04-17T14:19:45.646" v="3857" actId="1076"/>
       <pc:docMkLst>
         <pc:docMk/>
       </pc:docMkLst>
-      <pc:sldChg chg="addSp delSp modSp mod">
-        <pc:chgData name="Charles Gartner" userId="7744f2c7-8fe5-47ef-beea-e148d4ee2f5b" providerId="ADAL" clId="{8AA443A0-2101-744B-B4A7-33AB9F9CA50D}" dt="2025-04-16T14:08:53.550" v="3089" actId="20577"/>
+      <pc:sldChg chg="addSp delSp modSp mod modCm">
+        <pc:chgData name="Charles Gartner" userId="7744f2c7-8fe5-47ef-beea-e148d4ee2f5b" providerId="ADAL" clId="{8AA443A0-2101-744B-B4A7-33AB9F9CA50D}" dt="2025-04-17T14:19:45.646" v="3857" actId="1076"/>
         <pc:sldMkLst>
           <pc:docMk/>
           <pc:sldMk cId="3774079583" sldId="256"/>
         </pc:sldMkLst>
-        <pc:spChg chg="add del mod">
-          <ac:chgData name="Charles Gartner" userId="7744f2c7-8fe5-47ef-beea-e148d4ee2f5b" providerId="ADAL" clId="{8AA443A0-2101-744B-B4A7-33AB9F9CA50D}" dt="2025-04-15T18:31:45.611" v="1933" actId="478"/>
+        <pc:spChg chg="add mod">
+          <ac:chgData name="Charles Gartner" userId="7744f2c7-8fe5-47ef-beea-e148d4ee2f5b" providerId="ADAL" clId="{8AA443A0-2101-744B-B4A7-33AB9F9CA50D}" dt="2025-04-17T13:48:16.754" v="3160" actId="1076"/>
           <ac:spMkLst>
             <pc:docMk/>
             <pc:sldMk cId="3774079583" sldId="256"/>
-            <ac:spMk id="2" creationId="{696372F7-7825-F291-31B9-380EDBE9F1E5}"/>
-          </ac:spMkLst>
-        </pc:spChg>
-        <pc:spChg chg="add del mod">
-          <ac:chgData name="Charles Gartner" userId="7744f2c7-8fe5-47ef-beea-e148d4ee2f5b" providerId="ADAL" clId="{8AA443A0-2101-744B-B4A7-33AB9F9CA50D}" dt="2025-04-15T19:23:56.357" v="1946" actId="478"/>
-          <ac:spMkLst>
-            <pc:docMk/>
-            <pc:sldMk cId="3774079583" sldId="256"/>
-            <ac:spMk id="4" creationId="{61D4AD78-DF57-7F43-0748-94BF1385B868}"/>
+            <ac:spMk id="2" creationId="{CBACE8AF-F481-2A1B-9D57-88C9380134C8}"/>
           </ac:spMkLst>
         </pc:spChg>
         <pc:spChg chg="add mod">
-          <ac:chgData name="Charles Gartner" userId="7744f2c7-8fe5-47ef-beea-e148d4ee2f5b" providerId="ADAL" clId="{8AA443A0-2101-744B-B4A7-33AB9F9CA50D}" dt="2025-04-16T13:43:30.657" v="2954" actId="1076"/>
+          <ac:chgData name="Charles Gartner" userId="7744f2c7-8fe5-47ef-beea-e148d4ee2f5b" providerId="ADAL" clId="{8AA443A0-2101-744B-B4A7-33AB9F9CA50D}" dt="2025-04-17T13:45:56.379" v="3094" actId="20577"/>
           <ac:spMkLst>
             <pc:docMk/>
             <pc:sldMk cId="3774079583" sldId="256"/>
             <ac:spMk id="5" creationId="{B9C82B1F-7276-4A59-26FA-7406D9E0AA55}"/>
           </ac:spMkLst>
         </pc:spChg>
-        <pc:spChg chg="add del mod">
-          <ac:chgData name="Charles Gartner" userId="7744f2c7-8fe5-47ef-beea-e148d4ee2f5b" providerId="ADAL" clId="{8AA443A0-2101-744B-B4A7-33AB9F9CA50D}" dt="2025-04-15T13:51:26.193" v="1807"/>
-          <ac:spMkLst>
-            <pc:docMk/>
-            <pc:sldMk cId="3774079583" sldId="256"/>
-            <ac:spMk id="7" creationId="{87D352EE-4C0E-80F2-BD34-2E2072B27B14}"/>
-          </ac:spMkLst>
-        </pc:spChg>
         <pc:spChg chg="add mod">
-          <ac:chgData name="Charles Gartner" userId="7744f2c7-8fe5-47ef-beea-e148d4ee2f5b" providerId="ADAL" clId="{8AA443A0-2101-744B-B4A7-33AB9F9CA50D}" dt="2025-04-16T13:51:36.156" v="3036" actId="255"/>
+          <ac:chgData name="Charles Gartner" userId="7744f2c7-8fe5-47ef-beea-e148d4ee2f5b" providerId="ADAL" clId="{8AA443A0-2101-744B-B4A7-33AB9F9CA50D}" dt="2025-04-17T14:16:37.087" v="3842" actId="108"/>
           <ac:spMkLst>
             <pc:docMk/>
             <pc:sldMk cId="3774079583" sldId="256"/>
             <ac:spMk id="9" creationId="{EC52178E-C1F3-11B7-0CFE-8E9B5FB1634D}"/>
           </ac:spMkLst>
         </pc:spChg>
-        <pc:spChg chg="add mod">
-          <ac:chgData name="Charles Gartner" userId="7744f2c7-8fe5-47ef-beea-e148d4ee2f5b" providerId="ADAL" clId="{8AA443A0-2101-744B-B4A7-33AB9F9CA50D}" dt="2025-04-16T13:51:44.035" v="3037" actId="255"/>
+        <pc:spChg chg="add del mod">
+          <ac:chgData name="Charles Gartner" userId="7744f2c7-8fe5-47ef-beea-e148d4ee2f5b" providerId="ADAL" clId="{8AA443A0-2101-744B-B4A7-33AB9F9CA50D}" dt="2025-04-17T14:08:26.943" v="3759"/>
           <ac:spMkLst>
             <pc:docMk/>
             <pc:sldMk cId="3774079583" sldId="256"/>
@@ -218,7 +203,7 @@
           </ac:spMkLst>
         </pc:spChg>
         <pc:spChg chg="add del mod">
-          <ac:chgData name="Charles Gartner" userId="7744f2c7-8fe5-47ef-beea-e148d4ee2f5b" providerId="ADAL" clId="{8AA443A0-2101-744B-B4A7-33AB9F9CA50D}" dt="2025-04-15T19:25:26.070" v="1956" actId="962"/>
+          <ac:chgData name="Charles Gartner" userId="7744f2c7-8fe5-47ef-beea-e148d4ee2f5b" providerId="ADAL" clId="{8AA443A0-2101-744B-B4A7-33AB9F9CA50D}" dt="2025-04-17T13:46:16.131" v="3096" actId="478"/>
           <ac:spMkLst>
             <pc:docMk/>
             <pc:sldMk cId="3774079583" sldId="256"/>
@@ -234,27 +219,11 @@
           </ac:spMkLst>
         </pc:spChg>
         <pc:spChg chg="add mod">
-          <ac:chgData name="Charles Gartner" userId="7744f2c7-8fe5-47ef-beea-e148d4ee2f5b" providerId="ADAL" clId="{8AA443A0-2101-744B-B4A7-33AB9F9CA50D}" dt="2025-04-16T14:03:19.995" v="3076" actId="108"/>
+          <ac:chgData name="Charles Gartner" userId="7744f2c7-8fe5-47ef-beea-e148d4ee2f5b" providerId="ADAL" clId="{8AA443A0-2101-744B-B4A7-33AB9F9CA50D}" dt="2025-04-17T14:14:38.766" v="3828" actId="14100"/>
           <ac:spMkLst>
             <pc:docMk/>
             <pc:sldMk cId="3774079583" sldId="256"/>
             <ac:spMk id="23" creationId="{3E16F991-3DD2-6300-9588-E810ECB15CF1}"/>
-          </ac:spMkLst>
-        </pc:spChg>
-        <pc:spChg chg="add del mod">
-          <ac:chgData name="Charles Gartner" userId="7744f2c7-8fe5-47ef-beea-e148d4ee2f5b" providerId="ADAL" clId="{8AA443A0-2101-744B-B4A7-33AB9F9CA50D}" dt="2025-04-15T19:25:27.963" v="1957" actId="478"/>
-          <ac:spMkLst>
-            <pc:docMk/>
-            <pc:sldMk cId="3774079583" sldId="256"/>
-            <ac:spMk id="25" creationId="{CADF9753-7BB8-EEDB-CBC2-BB9F443C80A0}"/>
-          </ac:spMkLst>
-        </pc:spChg>
-        <pc:spChg chg="add del mod">
-          <ac:chgData name="Charles Gartner" userId="7744f2c7-8fe5-47ef-beea-e148d4ee2f5b" providerId="ADAL" clId="{8AA443A0-2101-744B-B4A7-33AB9F9CA50D}" dt="2025-04-15T14:04:07.795" v="1896" actId="478"/>
-          <ac:spMkLst>
-            <pc:docMk/>
-            <pc:sldMk cId="3774079583" sldId="256"/>
-            <ac:spMk id="28" creationId="{C0427650-F814-8496-0D45-9FA89DC414DF}"/>
           </ac:spMkLst>
         </pc:spChg>
         <pc:spChg chg="add del mod">
@@ -266,7 +235,7 @@
           </ac:spMkLst>
         </pc:spChg>
         <pc:spChg chg="add del mod">
-          <ac:chgData name="Charles Gartner" userId="7744f2c7-8fe5-47ef-beea-e148d4ee2f5b" providerId="ADAL" clId="{8AA443A0-2101-744B-B4A7-33AB9F9CA50D}" dt="2025-04-16T13:49:19.497" v="2971" actId="1076"/>
+          <ac:chgData name="Charles Gartner" userId="7744f2c7-8fe5-47ef-beea-e148d4ee2f5b" providerId="ADAL" clId="{8AA443A0-2101-744B-B4A7-33AB9F9CA50D}" dt="2025-04-17T14:04:15.385" v="3723" actId="1076"/>
           <ac:spMkLst>
             <pc:docMk/>
             <pc:sldMk cId="3774079583" sldId="256"/>
@@ -298,7 +267,7 @@
           </ac:spMkLst>
         </pc:spChg>
         <pc:spChg chg="add mod">
-          <ac:chgData name="Charles Gartner" userId="7744f2c7-8fe5-47ef-beea-e148d4ee2f5b" providerId="ADAL" clId="{8AA443A0-2101-744B-B4A7-33AB9F9CA50D}" dt="2025-04-16T13:51:26.875" v="3035" actId="255"/>
+          <ac:chgData name="Charles Gartner" userId="7744f2c7-8fe5-47ef-beea-e148d4ee2f5b" providerId="ADAL" clId="{8AA443A0-2101-744B-B4A7-33AB9F9CA50D}" dt="2025-04-17T14:17:26.471" v="3853" actId="14100"/>
           <ac:spMkLst>
             <pc:docMk/>
             <pc:sldMk cId="3774079583" sldId="256"/>
@@ -306,15 +275,15 @@
           </ac:spMkLst>
         </pc:spChg>
         <pc:spChg chg="add mod">
-          <ac:chgData name="Charles Gartner" userId="7744f2c7-8fe5-47ef-beea-e148d4ee2f5b" providerId="ADAL" clId="{8AA443A0-2101-744B-B4A7-33AB9F9CA50D}" dt="2025-04-10T14:19:40.538" v="437" actId="1076"/>
+          <ac:chgData name="Charles Gartner" userId="7744f2c7-8fe5-47ef-beea-e148d4ee2f5b" providerId="ADAL" clId="{8AA443A0-2101-744B-B4A7-33AB9F9CA50D}" dt="2025-04-17T14:04:23.536" v="3724" actId="1076"/>
           <ac:spMkLst>
             <pc:docMk/>
             <pc:sldMk cId="3774079583" sldId="256"/>
             <ac:spMk id="42" creationId="{D6C83FF5-8AD6-2802-7A83-E26195872B13}"/>
           </ac:spMkLst>
         </pc:spChg>
-        <pc:spChg chg="add mod">
-          <ac:chgData name="Charles Gartner" userId="7744f2c7-8fe5-47ef-beea-e148d4ee2f5b" providerId="ADAL" clId="{8AA443A0-2101-744B-B4A7-33AB9F9CA50D}" dt="2025-04-16T14:08:53.550" v="3089" actId="20577"/>
+        <pc:spChg chg="add del mod">
+          <ac:chgData name="Charles Gartner" userId="7744f2c7-8fe5-47ef-beea-e148d4ee2f5b" providerId="ADAL" clId="{8AA443A0-2101-744B-B4A7-33AB9F9CA50D}" dt="2025-04-17T14:17:05.665" v="3843" actId="478"/>
           <ac:spMkLst>
             <pc:docMk/>
             <pc:sldMk cId="3774079583" sldId="256"/>
@@ -327,30 +296,6 @@
             <pc:docMk/>
             <pc:sldMk cId="3774079583" sldId="256"/>
             <ac:spMk id="45" creationId="{5DE9AA95-16AC-F76A-401B-5DAD2749C753}"/>
-          </ac:spMkLst>
-        </pc:spChg>
-        <pc:spChg chg="add del mod">
-          <ac:chgData name="Charles Gartner" userId="7744f2c7-8fe5-47ef-beea-e148d4ee2f5b" providerId="ADAL" clId="{8AA443A0-2101-744B-B4A7-33AB9F9CA50D}" dt="2025-04-15T19:31:48.924" v="1977" actId="478"/>
-          <ac:spMkLst>
-            <pc:docMk/>
-            <pc:sldMk cId="3774079583" sldId="256"/>
-            <ac:spMk id="46" creationId="{BDFA3568-C611-C398-1511-C5577F0D1D9E}"/>
-          </ac:spMkLst>
-        </pc:spChg>
-        <pc:spChg chg="add del mod">
-          <ac:chgData name="Charles Gartner" userId="7744f2c7-8fe5-47ef-beea-e148d4ee2f5b" providerId="ADAL" clId="{8AA443A0-2101-744B-B4A7-33AB9F9CA50D}" dt="2025-04-15T19:31:59.926" v="1982" actId="478"/>
-          <ac:spMkLst>
-            <pc:docMk/>
-            <pc:sldMk cId="3774079583" sldId="256"/>
-            <ac:spMk id="48" creationId="{3660214D-DF91-64B8-8DB6-C4625A4A34A3}"/>
-          </ac:spMkLst>
-        </pc:spChg>
-        <pc:spChg chg="add del mod">
-          <ac:chgData name="Charles Gartner" userId="7744f2c7-8fe5-47ef-beea-e148d4ee2f5b" providerId="ADAL" clId="{8AA443A0-2101-744B-B4A7-33AB9F9CA50D}" dt="2025-04-15T18:30:35.253" v="1926" actId="478"/>
-          <ac:spMkLst>
-            <pc:docMk/>
-            <pc:sldMk cId="3774079583" sldId="256"/>
-            <ac:spMk id="49" creationId="{A0A693E8-7FAD-211F-FCBD-47841F7E934A}"/>
           </ac:spMkLst>
         </pc:spChg>
         <pc:spChg chg="add mod">
@@ -386,7 +331,7 @@
           </ac:spMkLst>
         </pc:spChg>
         <pc:spChg chg="add mod">
-          <ac:chgData name="Charles Gartner" userId="7744f2c7-8fe5-47ef-beea-e148d4ee2f5b" providerId="ADAL" clId="{8AA443A0-2101-744B-B4A7-33AB9F9CA50D}" dt="2025-04-16T13:54:56.613" v="3071" actId="1076"/>
+          <ac:chgData name="Charles Gartner" userId="7744f2c7-8fe5-47ef-beea-e148d4ee2f5b" providerId="ADAL" clId="{8AA443A0-2101-744B-B4A7-33AB9F9CA50D}" dt="2025-04-17T14:17:42.222" v="3854" actId="108"/>
           <ac:spMkLst>
             <pc:docMk/>
             <pc:sldMk cId="3774079583" sldId="256"/>
@@ -394,15 +339,23 @@
           </ac:spMkLst>
         </pc:spChg>
         <pc:spChg chg="add mod">
-          <ac:chgData name="Charles Gartner" userId="7744f2c7-8fe5-47ef-beea-e148d4ee2f5b" providerId="ADAL" clId="{8AA443A0-2101-744B-B4A7-33AB9F9CA50D}" dt="2025-04-16T14:03:52.531" v="3078" actId="1076"/>
+          <ac:chgData name="Charles Gartner" userId="7744f2c7-8fe5-47ef-beea-e148d4ee2f5b" providerId="ADAL" clId="{8AA443A0-2101-744B-B4A7-33AB9F9CA50D}" dt="2025-04-17T14:17:47.205" v="3855" actId="108"/>
           <ac:spMkLst>
             <pc:docMk/>
             <pc:sldMk cId="3774079583" sldId="256"/>
             <ac:spMk id="61" creationId="{27E408A6-2F5E-19E4-FA9B-C769E85E8F57}"/>
           </ac:spMkLst>
         </pc:spChg>
-        <pc:picChg chg="mod">
-          <ac:chgData name="Charles Gartner" userId="7744f2c7-8fe5-47ef-beea-e148d4ee2f5b" providerId="ADAL" clId="{8AA443A0-2101-744B-B4A7-33AB9F9CA50D}" dt="2025-04-15T13:50:13.626" v="1797" actId="1076"/>
+        <pc:picChg chg="add mod">
+          <ac:chgData name="Charles Gartner" userId="7744f2c7-8fe5-47ef-beea-e148d4ee2f5b" providerId="ADAL" clId="{8AA443A0-2101-744B-B4A7-33AB9F9CA50D}" dt="2025-04-17T14:13:23.088" v="3822" actId="1076"/>
+          <ac:picMkLst>
+            <pc:docMk/>
+            <pc:sldMk cId="3774079583" sldId="256"/>
+            <ac:picMk id="7" creationId="{A21D68DE-0C8E-9520-A9D9-F9D86C0010C2}"/>
+          </ac:picMkLst>
+        </pc:picChg>
+        <pc:picChg chg="del mod">
+          <ac:chgData name="Charles Gartner" userId="7744f2c7-8fe5-47ef-beea-e148d4ee2f5b" providerId="ADAL" clId="{8AA443A0-2101-744B-B4A7-33AB9F9CA50D}" dt="2025-04-17T13:52:13.983" v="3168" actId="478"/>
           <ac:picMkLst>
             <pc:docMk/>
             <pc:sldMk cId="3774079583" sldId="256"/>
@@ -418,7 +371,7 @@
           </ac:picMkLst>
         </pc:picChg>
         <pc:picChg chg="add mod">
-          <ac:chgData name="Charles Gartner" userId="7744f2c7-8fe5-47ef-beea-e148d4ee2f5b" providerId="ADAL" clId="{8AA443A0-2101-744B-B4A7-33AB9F9CA50D}" dt="2025-04-16T13:44:16.183" v="2962" actId="1076"/>
+          <ac:chgData name="Charles Gartner" userId="7744f2c7-8fe5-47ef-beea-e148d4ee2f5b" providerId="ADAL" clId="{8AA443A0-2101-744B-B4A7-33AB9F9CA50D}" dt="2025-04-17T13:47:53.493" v="3148" actId="1076"/>
           <ac:picMkLst>
             <pc:docMk/>
             <pc:sldMk cId="3774079583" sldId="256"/>
@@ -426,7 +379,7 @@
           </ac:picMkLst>
         </pc:picChg>
         <pc:picChg chg="add del mod">
-          <ac:chgData name="Charles Gartner" userId="7744f2c7-8fe5-47ef-beea-e148d4ee2f5b" providerId="ADAL" clId="{8AA443A0-2101-744B-B4A7-33AB9F9CA50D}" dt="2025-04-16T14:02:50.953" v="3075" actId="1076"/>
+          <ac:chgData name="Charles Gartner" userId="7744f2c7-8fe5-47ef-beea-e148d4ee2f5b" providerId="ADAL" clId="{8AA443A0-2101-744B-B4A7-33AB9F9CA50D}" dt="2025-04-17T14:14:23.409" v="3826" actId="1076"/>
           <ac:picMkLst>
             <pc:docMk/>
             <pc:sldMk cId="3774079583" sldId="256"/>
@@ -434,7 +387,7 @@
           </ac:picMkLst>
         </pc:picChg>
         <pc:picChg chg="add mod">
-          <ac:chgData name="Charles Gartner" userId="7744f2c7-8fe5-47ef-beea-e148d4ee2f5b" providerId="ADAL" clId="{8AA443A0-2101-744B-B4A7-33AB9F9CA50D}" dt="2025-04-16T13:37:14.400" v="2776" actId="1076"/>
+          <ac:chgData name="Charles Gartner" userId="7744f2c7-8fe5-47ef-beea-e148d4ee2f5b" providerId="ADAL" clId="{8AA443A0-2101-744B-B4A7-33AB9F9CA50D}" dt="2025-04-17T14:14:55.685" v="3830" actId="1076"/>
           <ac:picMkLst>
             <pc:docMk/>
             <pc:sldMk cId="3774079583" sldId="256"/>
@@ -442,7 +395,7 @@
           </ac:picMkLst>
         </pc:picChg>
         <pc:picChg chg="add mod">
-          <ac:chgData name="Charles Gartner" userId="7744f2c7-8fe5-47ef-beea-e148d4ee2f5b" providerId="ADAL" clId="{8AA443A0-2101-744B-B4A7-33AB9F9CA50D}" dt="2025-04-16T14:08:11.478" v="3079" actId="14100"/>
+          <ac:chgData name="Charles Gartner" userId="7744f2c7-8fe5-47ef-beea-e148d4ee2f5b" providerId="ADAL" clId="{8AA443A0-2101-744B-B4A7-33AB9F9CA50D}" dt="2025-04-17T14:15:09.187" v="3832" actId="14100"/>
           <ac:picMkLst>
             <pc:docMk/>
             <pc:sldMk cId="3774079583" sldId="256"/>
@@ -450,7 +403,7 @@
           </ac:picMkLst>
         </pc:picChg>
         <pc:picChg chg="add mod">
-          <ac:chgData name="Charles Gartner" userId="7744f2c7-8fe5-47ef-beea-e148d4ee2f5b" providerId="ADAL" clId="{8AA443A0-2101-744B-B4A7-33AB9F9CA50D}" dt="2025-04-16T13:43:48.273" v="2958" actId="1076"/>
+          <ac:chgData name="Charles Gartner" userId="7744f2c7-8fe5-47ef-beea-e148d4ee2f5b" providerId="ADAL" clId="{8AA443A0-2101-744B-B4A7-33AB9F9CA50D}" dt="2025-04-17T14:08:30.152" v="3760" actId="1076"/>
           <ac:picMkLst>
             <pc:docMk/>
             <pc:sldMk cId="3774079583" sldId="256"/>
@@ -458,7 +411,7 @@
           </ac:picMkLst>
         </pc:picChg>
         <pc:picChg chg="add mod">
-          <ac:chgData name="Charles Gartner" userId="7744f2c7-8fe5-47ef-beea-e148d4ee2f5b" providerId="ADAL" clId="{8AA443A0-2101-744B-B4A7-33AB9F9CA50D}" dt="2025-04-16T13:47:23.383" v="2967" actId="1076"/>
+          <ac:chgData name="Charles Gartner" userId="7744f2c7-8fe5-47ef-beea-e148d4ee2f5b" providerId="ADAL" clId="{8AA443A0-2101-744B-B4A7-33AB9F9CA50D}" dt="2025-04-17T14:04:31.289" v="3725" actId="1076"/>
           <ac:picMkLst>
             <pc:docMk/>
             <pc:sldMk cId="3774079583" sldId="256"/>
@@ -482,13 +435,33 @@
           </ac:picMkLst>
         </pc:picChg>
         <pc:picChg chg="add del mod">
-          <ac:chgData name="Charles Gartner" userId="7744f2c7-8fe5-47ef-beea-e148d4ee2f5b" providerId="ADAL" clId="{8AA443A0-2101-744B-B4A7-33AB9F9CA50D}" dt="2025-04-16T13:43:39.156" v="2955" actId="1076"/>
+          <ac:chgData name="Charles Gartner" userId="7744f2c7-8fe5-47ef-beea-e148d4ee2f5b" providerId="ADAL" clId="{8AA443A0-2101-744B-B4A7-33AB9F9CA50D}" dt="2025-04-17T14:19:45.646" v="3857" actId="1076"/>
           <ac:picMkLst>
             <pc:docMk/>
             <pc:sldMk cId="3774079583" sldId="256"/>
             <ac:picMk id="1026" creationId="{C11F1D83-F150-3DBF-74A8-8147C317A13D}"/>
           </ac:picMkLst>
         </pc:picChg>
+        <pc:extLst>
+          <p:ext xmlns:p="http://schemas.openxmlformats.org/presentationml/2006/main" uri="{D6D511B9-2390-475A-947B-AFAB55BFBCF1}">
+            <pc226:cmChg xmlns:pc226="http://schemas.microsoft.com/office/powerpoint/2022/06/main/command" chg="mod">
+              <pc226:chgData name="Charles Gartner" userId="7744f2c7-8fe5-47ef-beea-e148d4ee2f5b" providerId="ADAL" clId="{8AA443A0-2101-744B-B4A7-33AB9F9CA50D}" dt="2025-04-17T14:17:10.801" v="3852" actId="20577"/>
+              <pc2:cmMkLst xmlns:pc2="http://schemas.microsoft.com/office/powerpoint/2019/9/main/command">
+                <pc:docMk/>
+                <pc:sldMk cId="3774079583" sldId="256"/>
+                <pc2:cmMk id="{58DA013D-8E1E-40F4-BD33-E58734E1C857}"/>
+              </pc2:cmMkLst>
+            </pc226:cmChg>
+            <pc226:cmChg xmlns:pc226="http://schemas.microsoft.com/office/powerpoint/2022/06/main/command" chg="mod">
+              <pc226:chgData name="Charles Gartner" userId="7744f2c7-8fe5-47ef-beea-e148d4ee2f5b" providerId="ADAL" clId="{8AA443A0-2101-744B-B4A7-33AB9F9CA50D}" dt="2025-04-17T13:45:56.379" v="3094" actId="20577"/>
+              <pc2:cmMkLst xmlns:pc2="http://schemas.microsoft.com/office/powerpoint/2019/9/main/command">
+                <pc:docMk/>
+                <pc:sldMk cId="3774079583" sldId="256"/>
+                <pc2:cmMk id="{49ACC74A-D557-485F-8CB3-CE9A8519531B}"/>
+              </pc2:cmMkLst>
+            </pc226:cmChg>
+          </p:ext>
+        </pc:extLst>
       </pc:sldChg>
     </pc:docChg>
   </pc:docChgLst>
@@ -503,7 +476,7 @@
       <pc:sldMk xmlns:pc="http://schemas.microsoft.com/office/powerpoint/2013/main/command" cId="3774079583" sldId="256"/>
       <ac:spMk id="39" creationId="{D513D7DC-86D1-F0F1-C9DF-EC5A3536ED48}"/>
       <ac:txMk cp="0" len="164">
-        <ac:context len="165" hash="1310482642"/>
+        <ac:context len="755" hash="329730034"/>
       </ac:txMk>
     </ac:txMkLst>
     <p188:pos x="12115403" y="738994"/>
@@ -524,8 +497,8 @@
       <pc:docMk xmlns:pc="http://schemas.microsoft.com/office/powerpoint/2013/main/command"/>
       <pc:sldMk xmlns:pc="http://schemas.microsoft.com/office/powerpoint/2013/main/command" cId="3774079583" sldId="256"/>
       <ac:spMk id="5" creationId="{B9C82B1F-7276-4A59-26FA-7406D9E0AA55}"/>
-      <ac:txMk cp="0" len="16">
-        <ac:context len="17" hash="3204921352"/>
+      <ac:txMk cp="0" len="21">
+        <ac:context len="22" hash="1806229488"/>
       </ac:txMk>
     </ac:txMkLst>
     <p188:pos x="8118201" y="726941"/>
@@ -546,6 +519,7 @@
       <pc:sldMk xmlns:pc="http://schemas.microsoft.com/office/powerpoint/2013/main/command" cId="3774079583" sldId="256"/>
       <ac:picMk id="27" creationId="{279E110B-7038-4BC6-76D9-936900E1A9A0}"/>
     </ac:deMkLst>
+    <p188:pos x="0" y="1554032"/>
     <p188:replyLst>
       <p188:reply id="{20707B15-28FB-4EDC-8448-62A03A12F7E3}" authorId="{4695908A-6B9C-3E3B-FC87-26ABF3AEE448}" created="2025-04-16T22:25:13.289">
         <p188:txBody>
@@ -739,7 +713,7 @@
           <a:p>
             <a:fld id="{2DC29746-1088-C241-BC8C-4CC03DF23E15}" type="datetimeFigureOut">
               <a:rPr lang="en-US" smtClean="0"/>
-              <a:t>4/16/2025</a:t>
+              <a:t>4/17/25</a:t>
             </a:fld>
             <a:endParaRPr lang="en-US"/>
           </a:p>
@@ -937,7 +911,7 @@
           <a:p>
             <a:fld id="{2DC29746-1088-C241-BC8C-4CC03DF23E15}" type="datetimeFigureOut">
               <a:rPr lang="en-US" smtClean="0"/>
-              <a:t>4/16/2025</a:t>
+              <a:t>4/17/25</a:t>
             </a:fld>
             <a:endParaRPr lang="en-US"/>
           </a:p>
@@ -1145,7 +1119,7 @@
           <a:p>
             <a:fld id="{2DC29746-1088-C241-BC8C-4CC03DF23E15}" type="datetimeFigureOut">
               <a:rPr lang="en-US" smtClean="0"/>
-              <a:t>4/16/2025</a:t>
+              <a:t>4/17/25</a:t>
             </a:fld>
             <a:endParaRPr lang="en-US"/>
           </a:p>
@@ -1343,7 +1317,7 @@
           <a:p>
             <a:fld id="{2DC29746-1088-C241-BC8C-4CC03DF23E15}" type="datetimeFigureOut">
               <a:rPr lang="en-US" smtClean="0"/>
-              <a:t>4/16/2025</a:t>
+              <a:t>4/17/25</a:t>
             </a:fld>
             <a:endParaRPr lang="en-US"/>
           </a:p>
@@ -1618,7 +1592,7 @@
           <a:p>
             <a:fld id="{2DC29746-1088-C241-BC8C-4CC03DF23E15}" type="datetimeFigureOut">
               <a:rPr lang="en-US" smtClean="0"/>
-              <a:t>4/16/2025</a:t>
+              <a:t>4/17/25</a:t>
             </a:fld>
             <a:endParaRPr lang="en-US"/>
           </a:p>
@@ -1883,7 +1857,7 @@
           <a:p>
             <a:fld id="{2DC29746-1088-C241-BC8C-4CC03DF23E15}" type="datetimeFigureOut">
               <a:rPr lang="en-US" smtClean="0"/>
-              <a:t>4/16/2025</a:t>
+              <a:t>4/17/25</a:t>
             </a:fld>
             <a:endParaRPr lang="en-US"/>
           </a:p>
@@ -2295,7 +2269,7 @@
           <a:p>
             <a:fld id="{2DC29746-1088-C241-BC8C-4CC03DF23E15}" type="datetimeFigureOut">
               <a:rPr lang="en-US" smtClean="0"/>
-              <a:t>4/16/2025</a:t>
+              <a:t>4/17/25</a:t>
             </a:fld>
             <a:endParaRPr lang="en-US"/>
           </a:p>
@@ -2436,7 +2410,7 @@
           <a:p>
             <a:fld id="{2DC29746-1088-C241-BC8C-4CC03DF23E15}" type="datetimeFigureOut">
               <a:rPr lang="en-US" smtClean="0"/>
-              <a:t>4/16/2025</a:t>
+              <a:t>4/17/25</a:t>
             </a:fld>
             <a:endParaRPr lang="en-US"/>
           </a:p>
@@ -2549,7 +2523,7 @@
           <a:p>
             <a:fld id="{2DC29746-1088-C241-BC8C-4CC03DF23E15}" type="datetimeFigureOut">
               <a:rPr lang="en-US" smtClean="0"/>
-              <a:t>4/16/2025</a:t>
+              <a:t>4/17/25</a:t>
             </a:fld>
             <a:endParaRPr lang="en-US"/>
           </a:p>
@@ -2860,7 +2834,7 @@
           <a:p>
             <a:fld id="{2DC29746-1088-C241-BC8C-4CC03DF23E15}" type="datetimeFigureOut">
               <a:rPr lang="en-US" smtClean="0"/>
-              <a:t>4/16/2025</a:t>
+              <a:t>4/17/25</a:t>
             </a:fld>
             <a:endParaRPr lang="en-US"/>
           </a:p>
@@ -3148,7 +3122,7 @@
           <a:p>
             <a:fld id="{2DC29746-1088-C241-BC8C-4CC03DF23E15}" type="datetimeFigureOut">
               <a:rPr lang="en-US" smtClean="0"/>
-              <a:t>4/16/2025</a:t>
+              <a:t>4/17/25</a:t>
             </a:fld>
             <a:endParaRPr lang="en-US"/>
           </a:p>
@@ -3389,7 +3363,7 @@
           <a:p>
             <a:fld id="{2DC29746-1088-C241-BC8C-4CC03DF23E15}" type="datetimeFigureOut">
               <a:rPr lang="en-US" smtClean="0"/>
-              <a:t>4/16/2025</a:t>
+              <a:t>4/17/25</a:t>
             </a:fld>
             <a:endParaRPr lang="en-US"/>
           </a:p>
@@ -3816,36 +3790,6 @@
       </p:grpSpPr>
       <p:pic>
         <p:nvPicPr>
-          <p:cNvPr id="15" name="Picture 14">
-            <a:extLst>
-              <a:ext uri="{FF2B5EF4-FFF2-40B4-BE49-F238E27FC236}">
-                <a16:creationId xmlns:a16="http://schemas.microsoft.com/office/drawing/2014/main" id="{689FFAEC-A478-F04F-8460-BD6F020D7F86}"/>
-              </a:ext>
-            </a:extLst>
-          </p:cNvPr>
-          <p:cNvPicPr>
-            <a:picLocks noChangeAspect="1"/>
-          </p:cNvPicPr>
-          <p:nvPr/>
-        </p:nvPicPr>
-        <p:blipFill>
-          <a:blip r:embed="rId3"/>
-          <a:stretch>
-            <a:fillRect/>
-          </a:stretch>
-        </p:blipFill>
-        <p:spPr>
-          <a:xfrm>
-            <a:off x="35650543" y="-1903412"/>
-            <a:ext cx="7511177" cy="9720347"/>
-          </a:xfrm>
-          <a:prstGeom prst="rect">
-            <a:avLst/>
-          </a:prstGeom>
-        </p:spPr>
-      </p:pic>
-      <p:pic>
-        <p:nvPicPr>
           <p:cNvPr id="16" name="Picture 15">
             <a:extLst>
               <a:ext uri="{FF2B5EF4-FFF2-40B4-BE49-F238E27FC236}">
@@ -6866,7 +6810,7 @@
         <p:spPr>
           <a:xfrm>
             <a:off x="1482610" y="8287019"/>
-            <a:ext cx="12134274" cy="2554545"/>
+            <a:ext cx="11881527" cy="22744688"/>
           </a:xfrm>
           <a:prstGeom prst="rect">
             <a:avLst/>
@@ -6929,76 +6873,165 @@
               <a:t>Acquires, cleans, manipulates, and documents sports data to create educational resources for data science </a:t>
             </a:r>
           </a:p>
-        </p:txBody>
-      </p:sp>
-      <p:sp>
-        <p:nvSpPr>
-          <p:cNvPr id="42" name="TextBox 41">
-            <a:extLst>
-              <a:ext uri="{FF2B5EF4-FFF2-40B4-BE49-F238E27FC236}">
-                <a16:creationId xmlns:a16="http://schemas.microsoft.com/office/drawing/2014/main" id="{D6C83FF5-8AD6-2802-7A83-E26195872B13}"/>
-              </a:ext>
-            </a:extLst>
-          </p:cNvPr>
-          <p:cNvSpPr txBox="1"/>
-          <p:nvPr/>
-        </p:nvSpPr>
-        <p:spPr>
-          <a:xfrm>
-            <a:off x="3594441" y="11133981"/>
-            <a:ext cx="7877927" cy="1107996"/>
-          </a:xfrm>
-          <a:prstGeom prst="rect">
-            <a:avLst/>
-          </a:prstGeom>
-          <a:noFill/>
-        </p:spPr>
-        <p:txBody>
-          <a:bodyPr wrap="square" rtlCol="0">
-            <a:spAutoFit/>
-          </a:bodyPr>
-          <a:lstStyle/>
-          <a:p>
-            <a:pPr algn="ctr"/>
-            <a:r>
-              <a:rPr lang="en-US" sz="6600" dirty="0">
+          <a:p>
+            <a:pPr marL="571500" indent="-571500">
+              <a:buFont typeface="Arial" panose="020B0604020202020204" pitchFamily="34" charset="0"/>
+              <a:buChar char="•"/>
+            </a:pPr>
+            <a:r>
+              <a:rPr lang="en-US" sz="4000" dirty="0">
                 <a:solidFill>
                   <a:schemeClr val="bg1"/>
                 </a:solidFill>
                 <a:latin typeface="Garamond" panose="02020404030301010803" pitchFamily="18" charset="0"/>
               </a:rPr>
-              <a:t>What is a Module?</a:t>
-            </a:r>
-          </a:p>
-        </p:txBody>
-      </p:sp>
-      <p:sp>
-        <p:nvSpPr>
-          <p:cNvPr id="44" name="TextBox 43">
-            <a:extLst>
-              <a:ext uri="{FF2B5EF4-FFF2-40B4-BE49-F238E27FC236}">
-                <a16:creationId xmlns:a16="http://schemas.microsoft.com/office/drawing/2014/main" id="{350D86C7-10E1-3AA8-F4EB-AA904652B206}"/>
-              </a:ext>
-            </a:extLst>
-          </p:cNvPr>
-          <p:cNvSpPr txBox="1"/>
-          <p:nvPr/>
-        </p:nvSpPr>
-        <p:spPr>
-          <a:xfrm>
-            <a:off x="1836004" y="17987092"/>
-            <a:ext cx="10384920" cy="10987623"/>
-          </a:xfrm>
-          <a:prstGeom prst="rect">
-            <a:avLst/>
-          </a:prstGeom>
-          <a:noFill/>
-        </p:spPr>
-        <p:txBody>
-          <a:bodyPr wrap="square" rtlCol="0">
-            <a:spAutoFit/>
-          </a:bodyPr>
-          <a:lstStyle/>
+              <a:t>Collaborators in the SCORE Network allows for practice with finding and wrangling data, making regressions, visualizations, etc. that are then shared in the form of a module to further student learning. </a:t>
+            </a:r>
+          </a:p>
+          <a:p>
+            <a:pPr marL="571500" indent="-571500">
+              <a:buFont typeface="Arial" panose="020B0604020202020204" pitchFamily="34" charset="0"/>
+              <a:buChar char="•"/>
+            </a:pPr>
+            <a:endParaRPr lang="en-US" sz="4000" dirty="0">
+              <a:solidFill>
+                <a:schemeClr val="bg1"/>
+              </a:solidFill>
+              <a:latin typeface="Garamond" panose="02020404030301010803" pitchFamily="18" charset="0"/>
+            </a:endParaRPr>
+          </a:p>
+          <a:p>
+            <a:pPr marL="571500" indent="-571500">
+              <a:buFont typeface="Arial" panose="020B0604020202020204" pitchFamily="34" charset="0"/>
+              <a:buChar char="•"/>
+            </a:pPr>
+            <a:endParaRPr lang="en-US" sz="4000" dirty="0">
+              <a:solidFill>
+                <a:schemeClr val="bg1"/>
+              </a:solidFill>
+              <a:latin typeface="Garamond" panose="02020404030301010803" pitchFamily="18" charset="0"/>
+            </a:endParaRPr>
+          </a:p>
+          <a:p>
+            <a:pPr marL="571500" indent="-571500">
+              <a:buFont typeface="Arial" panose="020B0604020202020204" pitchFamily="34" charset="0"/>
+              <a:buChar char="•"/>
+            </a:pPr>
+            <a:endParaRPr lang="en-US" sz="4000" dirty="0">
+              <a:solidFill>
+                <a:schemeClr val="bg1"/>
+              </a:solidFill>
+              <a:latin typeface="Garamond" panose="02020404030301010803" pitchFamily="18" charset="0"/>
+            </a:endParaRPr>
+          </a:p>
+          <a:p>
+            <a:pPr marL="571500" indent="-571500">
+              <a:buFont typeface="Arial" panose="020B0604020202020204" pitchFamily="34" charset="0"/>
+              <a:buChar char="•"/>
+            </a:pPr>
+            <a:endParaRPr lang="en-US" sz="4000" dirty="0">
+              <a:solidFill>
+                <a:schemeClr val="bg1"/>
+              </a:solidFill>
+              <a:latin typeface="Garamond" panose="02020404030301010803" pitchFamily="18" charset="0"/>
+            </a:endParaRPr>
+          </a:p>
+          <a:p>
+            <a:pPr marL="571500" indent="-571500">
+              <a:buFont typeface="Arial" panose="020B0604020202020204" pitchFamily="34" charset="0"/>
+              <a:buChar char="•"/>
+            </a:pPr>
+            <a:endParaRPr lang="en-US" sz="4000" dirty="0">
+              <a:solidFill>
+                <a:schemeClr val="bg1"/>
+              </a:solidFill>
+              <a:latin typeface="Garamond" panose="02020404030301010803" pitchFamily="18" charset="0"/>
+            </a:endParaRPr>
+          </a:p>
+          <a:p>
+            <a:pPr marL="571500" indent="-571500">
+              <a:buFont typeface="Arial" panose="020B0604020202020204" pitchFamily="34" charset="0"/>
+              <a:buChar char="•"/>
+            </a:pPr>
+            <a:endParaRPr lang="en-US" sz="4000" dirty="0">
+              <a:solidFill>
+                <a:schemeClr val="bg1"/>
+              </a:solidFill>
+              <a:latin typeface="Garamond" panose="02020404030301010803" pitchFamily="18" charset="0"/>
+            </a:endParaRPr>
+          </a:p>
+          <a:p>
+            <a:pPr marL="571500" indent="-571500">
+              <a:buFont typeface="Arial" panose="020B0604020202020204" pitchFamily="34" charset="0"/>
+              <a:buChar char="•"/>
+            </a:pPr>
+            <a:endParaRPr lang="en-US" sz="4000" dirty="0">
+              <a:solidFill>
+                <a:schemeClr val="bg1"/>
+              </a:solidFill>
+              <a:latin typeface="Garamond" panose="02020404030301010803" pitchFamily="18" charset="0"/>
+            </a:endParaRPr>
+          </a:p>
+          <a:p>
+            <a:pPr marL="571500" indent="-571500">
+              <a:buFont typeface="Arial" panose="020B0604020202020204" pitchFamily="34" charset="0"/>
+              <a:buChar char="•"/>
+            </a:pPr>
+            <a:endParaRPr lang="en-US" sz="4000" dirty="0">
+              <a:solidFill>
+                <a:schemeClr val="bg1"/>
+              </a:solidFill>
+              <a:latin typeface="Garamond" panose="02020404030301010803" pitchFamily="18" charset="0"/>
+            </a:endParaRPr>
+          </a:p>
+          <a:p>
+            <a:pPr marL="571500" indent="-571500">
+              <a:buFont typeface="Arial" panose="020B0604020202020204" pitchFamily="34" charset="0"/>
+              <a:buChar char="•"/>
+            </a:pPr>
+            <a:endParaRPr lang="en-US" sz="4000" dirty="0">
+              <a:solidFill>
+                <a:schemeClr val="bg1"/>
+              </a:solidFill>
+              <a:latin typeface="Garamond" panose="02020404030301010803" pitchFamily="18" charset="0"/>
+            </a:endParaRPr>
+          </a:p>
+          <a:p>
+            <a:pPr marL="571500" indent="-571500">
+              <a:buFont typeface="Arial" panose="020B0604020202020204" pitchFamily="34" charset="0"/>
+              <a:buChar char="•"/>
+            </a:pPr>
+            <a:endParaRPr lang="en-US" sz="4000" dirty="0">
+              <a:solidFill>
+                <a:schemeClr val="bg1"/>
+              </a:solidFill>
+              <a:latin typeface="Garamond" panose="02020404030301010803" pitchFamily="18" charset="0"/>
+            </a:endParaRPr>
+          </a:p>
+          <a:p>
+            <a:pPr marL="571500" indent="-571500">
+              <a:buFont typeface="Arial" panose="020B0604020202020204" pitchFamily="34" charset="0"/>
+              <a:buChar char="•"/>
+            </a:pPr>
+            <a:endParaRPr lang="en-US" sz="4000" dirty="0">
+              <a:solidFill>
+                <a:schemeClr val="bg1"/>
+              </a:solidFill>
+              <a:latin typeface="Garamond" panose="02020404030301010803" pitchFamily="18" charset="0"/>
+            </a:endParaRPr>
+          </a:p>
+          <a:p>
+            <a:pPr marL="571500" indent="-571500">
+              <a:buFont typeface="Arial" panose="020B0604020202020204" pitchFamily="34" charset="0"/>
+              <a:buChar char="•"/>
+            </a:pPr>
+            <a:endParaRPr lang="en-US" sz="4000" dirty="0">
+              <a:solidFill>
+                <a:schemeClr val="bg1"/>
+              </a:solidFill>
+              <a:latin typeface="Garamond" panose="02020404030301010803" pitchFamily="18" charset="0"/>
+            </a:endParaRPr>
+          </a:p>
           <a:p>
             <a:r>
               <a:rPr lang="en-US" sz="4800" dirty="0">
@@ -7026,7 +7059,7 @@
                 </a:solidFill>
                 <a:latin typeface="Garamond" panose="02020404030301010803" pitchFamily="18" charset="0"/>
               </a:rPr>
-              <a:t>Summary of the sport and concepts that will be in handout</a:t>
+              <a:t>Summary of the sport and concepts that will be in the  handout</a:t>
             </a:r>
           </a:p>
           <a:p>
@@ -7192,10 +7225,191 @@
                 </a:solidFill>
                 <a:latin typeface="Garamond" panose="02020404030301010803" pitchFamily="18" charset="0"/>
               </a:rPr>
-              <a:t>Summarize the takeaways and learning objectives from the sports </a:t>
-            </a:r>
-            <a:r>
-              <a:rPr lang="en-US" sz="4000">
+              <a:t>Summarize the takeaways and learning objectives from the sports application worksheet.</a:t>
+            </a:r>
+          </a:p>
+          <a:p>
+            <a:pPr marL="571500" indent="-571500">
+              <a:buFont typeface="Arial" panose="020B0604020202020204" pitchFamily="34" charset="0"/>
+              <a:buChar char="•"/>
+            </a:pPr>
+            <a:endParaRPr lang="en-US" sz="4000" dirty="0">
+              <a:solidFill>
+                <a:schemeClr val="bg1"/>
+              </a:solidFill>
+              <a:latin typeface="Garamond" panose="02020404030301010803" pitchFamily="18" charset="0"/>
+            </a:endParaRPr>
+          </a:p>
+        </p:txBody>
+      </p:sp>
+      <p:sp>
+        <p:nvSpPr>
+          <p:cNvPr id="42" name="TextBox 41">
+            <a:extLst>
+              <a:ext uri="{FF2B5EF4-FFF2-40B4-BE49-F238E27FC236}">
+                <a16:creationId xmlns:a16="http://schemas.microsoft.com/office/drawing/2014/main" id="{D6C83FF5-8AD6-2802-7A83-E26195872B13}"/>
+              </a:ext>
+            </a:extLst>
+          </p:cNvPr>
+          <p:cNvSpPr txBox="1"/>
+          <p:nvPr/>
+        </p:nvSpPr>
+        <p:spPr>
+          <a:xfrm>
+            <a:off x="3436066" y="13749216"/>
+            <a:ext cx="7877927" cy="1107996"/>
+          </a:xfrm>
+          <a:prstGeom prst="rect">
+            <a:avLst/>
+          </a:prstGeom>
+          <a:noFill/>
+        </p:spPr>
+        <p:txBody>
+          <a:bodyPr wrap="square" rtlCol="0">
+            <a:spAutoFit/>
+          </a:bodyPr>
+          <a:lstStyle/>
+          <a:p>
+            <a:pPr algn="ctr"/>
+            <a:r>
+              <a:rPr lang="en-US" sz="6600" dirty="0">
+                <a:solidFill>
+                  <a:schemeClr val="bg1"/>
+                </a:solidFill>
+                <a:latin typeface="Garamond" panose="02020404030301010803" pitchFamily="18" charset="0"/>
+              </a:rPr>
+              <a:t>What is a Module?</a:t>
+            </a:r>
+          </a:p>
+        </p:txBody>
+      </p:sp>
+      <p:sp>
+        <p:nvSpPr>
+          <p:cNvPr id="5" name="TextBox 4">
+            <a:extLst>
+              <a:ext uri="{FF2B5EF4-FFF2-40B4-BE49-F238E27FC236}">
+                <a16:creationId xmlns:a16="http://schemas.microsoft.com/office/drawing/2014/main" id="{B9C82B1F-7276-4A59-26FA-7406D9E0AA55}"/>
+              </a:ext>
+            </a:extLst>
+          </p:cNvPr>
+          <p:cNvSpPr txBox="1"/>
+          <p:nvPr/>
+        </p:nvSpPr>
+        <p:spPr>
+          <a:xfrm>
+            <a:off x="16924560" y="6971717"/>
+            <a:ext cx="9908930" cy="1107996"/>
+          </a:xfrm>
+          <a:prstGeom prst="rect">
+            <a:avLst/>
+          </a:prstGeom>
+          <a:noFill/>
+        </p:spPr>
+        <p:txBody>
+          <a:bodyPr wrap="square" rtlCol="0">
+            <a:spAutoFit/>
+          </a:bodyPr>
+          <a:lstStyle/>
+          <a:p>
+            <a:pPr algn="ctr"/>
+            <a:r>
+              <a:rPr lang="en-US" sz="6600" dirty="0">
+                <a:solidFill>
+                  <a:schemeClr val="bg1"/>
+                </a:solidFill>
+                <a:latin typeface="Garamond" panose="02020404030301010803" pitchFamily="18" charset="0"/>
+              </a:rPr>
+              <a:t>Formula 1 (F1) Racing</a:t>
+            </a:r>
+            <a:endParaRPr lang="en-US" sz="6600" dirty="0"/>
+          </a:p>
+        </p:txBody>
+      </p:sp>
+      <p:sp>
+        <p:nvSpPr>
+          <p:cNvPr id="9" name="TextBox 8">
+            <a:extLst>
+              <a:ext uri="{FF2B5EF4-FFF2-40B4-BE49-F238E27FC236}">
+                <a16:creationId xmlns:a16="http://schemas.microsoft.com/office/drawing/2014/main" id="{EC52178E-C1F3-11B7-0CFE-8E9B5FB1634D}"/>
+              </a:ext>
+            </a:extLst>
+          </p:cNvPr>
+          <p:cNvSpPr txBox="1"/>
+          <p:nvPr/>
+        </p:nvSpPr>
+        <p:spPr>
+          <a:xfrm>
+            <a:off x="15510910" y="13904587"/>
+            <a:ext cx="12334821" cy="15881271"/>
+          </a:xfrm>
+          <a:prstGeom prst="rect">
+            <a:avLst/>
+          </a:prstGeom>
+          <a:noFill/>
+        </p:spPr>
+        <p:txBody>
+          <a:bodyPr wrap="square" rtlCol="0">
+            <a:spAutoFit/>
+          </a:bodyPr>
+          <a:lstStyle/>
+          <a:p>
+            <a:pPr algn="ctr"/>
+            <a:r>
+              <a:rPr lang="en-US" sz="6000" dirty="0">
+                <a:solidFill>
+                  <a:schemeClr val="bg1"/>
+                </a:solidFill>
+                <a:latin typeface="Garamond" panose="02020404030301010803" pitchFamily="18" charset="0"/>
+              </a:rPr>
+              <a:t>What is it?</a:t>
+            </a:r>
+          </a:p>
+          <a:p>
+            <a:pPr marL="571500" indent="-571500">
+              <a:buFont typeface="Arial" panose="020B0604020202020204" pitchFamily="34" charset="0"/>
+              <a:buChar char="•"/>
+            </a:pPr>
+            <a:r>
+              <a:rPr lang="en-US" sz="4000" dirty="0">
+                <a:solidFill>
+                  <a:schemeClr val="bg1"/>
+                </a:solidFill>
+                <a:latin typeface="Garamond" panose="02020404030301010803" pitchFamily="18" charset="0"/>
+              </a:rPr>
+              <a:t>Motorsport that combines elite driving skill, strategic decision making, and cutting-edge technology.</a:t>
+            </a:r>
+          </a:p>
+          <a:p>
+            <a:pPr marL="571500" indent="-571500">
+              <a:buFont typeface="Arial" panose="020B0604020202020204" pitchFamily="34" charset="0"/>
+              <a:buChar char="•"/>
+            </a:pPr>
+            <a:r>
+              <a:rPr lang="en-US" sz="4000" dirty="0">
+                <a:solidFill>
+                  <a:schemeClr val="bg1"/>
+                </a:solidFill>
+                <a:latin typeface="Garamond" panose="02020404030301010803" pitchFamily="18" charset="0"/>
+              </a:rPr>
+              <a:t>Drivers race in a series of Grand Prix around the world, competing for the FIA World Champtionship.</a:t>
+            </a:r>
+          </a:p>
+          <a:p>
+            <a:pPr marL="571500" indent="-571500">
+              <a:buFont typeface="Arial" panose="020B0604020202020204" pitchFamily="34" charset="0"/>
+              <a:buChar char="•"/>
+            </a:pPr>
+            <a:r>
+              <a:rPr lang="en-US" sz="4000" dirty="0">
+                <a:solidFill>
+                  <a:schemeClr val="bg1"/>
+                </a:solidFill>
+                <a:latin typeface="Garamond" panose="02020404030301010803" pitchFamily="18" charset="0"/>
+              </a:rPr>
+              <a:t>Points are awarded based on finishing position at each race. The driver and constructor with the most points at the end of the season win the respective Championships</a:t>
+            </a:r>
+            <a:r>
+              <a:rPr lang="en-US" sz="4000" dirty="0">
                 <a:solidFill>
                   <a:schemeClr val="bg1">
                     <a:lumMod val="95000"/>
@@ -7203,19 +7417,11 @@
                 </a:solidFill>
                 <a:latin typeface="Garamond" panose="02020404030301010803" pitchFamily="18" charset="0"/>
               </a:rPr>
-              <a:t>application worksheet.</a:t>
-            </a:r>
-            <a:endParaRPr lang="en-US" sz="4000" dirty="0">
-              <a:solidFill>
-                <a:schemeClr val="bg1">
-                  <a:lumMod val="95000"/>
-                </a:schemeClr>
-              </a:solidFill>
-              <a:latin typeface="Garamond" panose="02020404030301010803" pitchFamily="18" charset="0"/>
-            </a:endParaRPr>
-          </a:p>
-          <a:p>
-            <a:pPr marL="571500" indent="-571500">
+              <a:t>.</a:t>
+            </a:r>
+          </a:p>
+          <a:p>
+            <a:pPr marL="857250" indent="-857250">
               <a:buFont typeface="Arial" panose="020B0604020202020204" pitchFamily="34" charset="0"/>
               <a:buChar char="•"/>
             </a:pPr>
@@ -7229,11 +7435,11 @@
             </a:endParaRPr>
           </a:p>
           <a:p>
-            <a:pPr marL="571500" indent="-571500">
+            <a:pPr marL="857250" indent="-857250">
               <a:buFont typeface="Arial" panose="020B0604020202020204" pitchFamily="34" charset="0"/>
               <a:buChar char="•"/>
             </a:pPr>
-            <a:endParaRPr lang="en-US" sz="3600" dirty="0">
+            <a:endParaRPr lang="en-US" sz="4000" dirty="0">
               <a:solidFill>
                 <a:schemeClr val="bg1">
                   <a:lumMod val="95000"/>
@@ -7242,79 +7448,134 @@
               <a:latin typeface="Garamond" panose="02020404030301010803" pitchFamily="18" charset="0"/>
             </a:endParaRPr>
           </a:p>
-        </p:txBody>
-      </p:sp>
-      <p:sp>
-        <p:nvSpPr>
-          <p:cNvPr id="5" name="TextBox 4">
-            <a:extLst>
-              <a:ext uri="{FF2B5EF4-FFF2-40B4-BE49-F238E27FC236}">
-                <a16:creationId xmlns:a16="http://schemas.microsoft.com/office/drawing/2014/main" id="{B9C82B1F-7276-4A59-26FA-7406D9E0AA55}"/>
-              </a:ext>
-            </a:extLst>
-          </p:cNvPr>
-          <p:cNvSpPr txBox="1"/>
-          <p:nvPr/>
-        </p:nvSpPr>
-        <p:spPr>
-          <a:xfrm>
-            <a:off x="16924560" y="6971717"/>
-            <a:ext cx="9908930" cy="1107996"/>
-          </a:xfrm>
-          <a:prstGeom prst="rect">
-            <a:avLst/>
-          </a:prstGeom>
-          <a:noFill/>
-        </p:spPr>
-        <p:txBody>
-          <a:bodyPr wrap="square" rtlCol="0">
-            <a:spAutoFit/>
-          </a:bodyPr>
-          <a:lstStyle/>
-          <a:p>
-            <a:pPr algn="ctr"/>
-            <a:r>
-              <a:rPr lang="en-US" sz="6600" dirty="0">
-                <a:solidFill>
-                  <a:schemeClr val="bg1"/>
-                </a:solidFill>
-                <a:latin typeface="Garamond" panose="02020404030301010803" pitchFamily="18" charset="0"/>
-              </a:rPr>
-              <a:t>Formula 1 Racing</a:t>
-            </a:r>
-            <a:endParaRPr lang="en-US" sz="6600" dirty="0"/>
-          </a:p>
-        </p:txBody>
-      </p:sp>
-      <p:sp>
-        <p:nvSpPr>
-          <p:cNvPr id="9" name="TextBox 8">
-            <a:extLst>
-              <a:ext uri="{FF2B5EF4-FFF2-40B4-BE49-F238E27FC236}">
-                <a16:creationId xmlns:a16="http://schemas.microsoft.com/office/drawing/2014/main" id="{EC52178E-C1F3-11B7-0CFE-8E9B5FB1634D}"/>
-              </a:ext>
-            </a:extLst>
-          </p:cNvPr>
-          <p:cNvSpPr txBox="1"/>
-          <p:nvPr/>
-        </p:nvSpPr>
-        <p:spPr>
-          <a:xfrm>
-            <a:off x="15414171" y="14032729"/>
-            <a:ext cx="12849071" cy="5878532"/>
-          </a:xfrm>
-          <a:prstGeom prst="rect">
-            <a:avLst/>
-          </a:prstGeom>
-          <a:noFill/>
-        </p:spPr>
-        <p:txBody>
-          <a:bodyPr wrap="square" rtlCol="0">
-            <a:spAutoFit/>
-          </a:bodyPr>
-          <a:lstStyle/>
-          <a:p>
-            <a:pPr algn="ctr"/>
+          <a:p>
+            <a:pPr marL="857250" indent="-857250">
+              <a:buFont typeface="Arial" panose="020B0604020202020204" pitchFamily="34" charset="0"/>
+              <a:buChar char="•"/>
+            </a:pPr>
+            <a:endParaRPr lang="en-US" sz="4000" dirty="0">
+              <a:solidFill>
+                <a:schemeClr val="bg1">
+                  <a:lumMod val="95000"/>
+                </a:schemeClr>
+              </a:solidFill>
+              <a:latin typeface="Garamond" panose="02020404030301010803" pitchFamily="18" charset="0"/>
+            </a:endParaRPr>
+          </a:p>
+          <a:p>
+            <a:pPr marL="857250" indent="-857250">
+              <a:buFont typeface="Arial" panose="020B0604020202020204" pitchFamily="34" charset="0"/>
+              <a:buChar char="•"/>
+            </a:pPr>
+            <a:endParaRPr lang="en-US" sz="4000" dirty="0">
+              <a:solidFill>
+                <a:schemeClr val="bg1">
+                  <a:lumMod val="95000"/>
+                </a:schemeClr>
+              </a:solidFill>
+              <a:latin typeface="Garamond" panose="02020404030301010803" pitchFamily="18" charset="0"/>
+            </a:endParaRPr>
+          </a:p>
+          <a:p>
+            <a:pPr marL="857250" indent="-857250">
+              <a:buFont typeface="Arial" panose="020B0604020202020204" pitchFamily="34" charset="0"/>
+              <a:buChar char="•"/>
+            </a:pPr>
+            <a:endParaRPr lang="en-US" sz="4000" dirty="0">
+              <a:solidFill>
+                <a:schemeClr val="bg1">
+                  <a:lumMod val="95000"/>
+                </a:schemeClr>
+              </a:solidFill>
+              <a:latin typeface="Garamond" panose="02020404030301010803" pitchFamily="18" charset="0"/>
+            </a:endParaRPr>
+          </a:p>
+          <a:p>
+            <a:pPr marL="857250" indent="-857250">
+              <a:buFont typeface="Arial" panose="020B0604020202020204" pitchFamily="34" charset="0"/>
+              <a:buChar char="•"/>
+            </a:pPr>
+            <a:endParaRPr lang="en-US" sz="4000" dirty="0">
+              <a:solidFill>
+                <a:schemeClr val="bg1">
+                  <a:lumMod val="95000"/>
+                </a:schemeClr>
+              </a:solidFill>
+              <a:latin typeface="Garamond" panose="02020404030301010803" pitchFamily="18" charset="0"/>
+            </a:endParaRPr>
+          </a:p>
+          <a:p>
+            <a:pPr marL="857250" indent="-857250">
+              <a:buFont typeface="Arial" panose="020B0604020202020204" pitchFamily="34" charset="0"/>
+              <a:buChar char="•"/>
+            </a:pPr>
+            <a:endParaRPr lang="en-US" sz="4000" dirty="0">
+              <a:solidFill>
+                <a:schemeClr val="bg1">
+                  <a:lumMod val="95000"/>
+                </a:schemeClr>
+              </a:solidFill>
+              <a:latin typeface="Garamond" panose="02020404030301010803" pitchFamily="18" charset="0"/>
+            </a:endParaRPr>
+          </a:p>
+          <a:p>
+            <a:pPr marL="857250" indent="-857250">
+              <a:buFont typeface="Arial" panose="020B0604020202020204" pitchFamily="34" charset="0"/>
+              <a:buChar char="•"/>
+            </a:pPr>
+            <a:endParaRPr lang="en-US" sz="4000" dirty="0">
+              <a:solidFill>
+                <a:schemeClr val="bg1">
+                  <a:lumMod val="95000"/>
+                </a:schemeClr>
+              </a:solidFill>
+              <a:latin typeface="Garamond" panose="02020404030301010803" pitchFamily="18" charset="0"/>
+            </a:endParaRPr>
+          </a:p>
+          <a:p>
+            <a:pPr marL="857250" indent="-857250">
+              <a:buFont typeface="Arial" panose="020B0604020202020204" pitchFamily="34" charset="0"/>
+              <a:buChar char="•"/>
+            </a:pPr>
+            <a:endParaRPr lang="en-US" sz="4000" dirty="0">
+              <a:solidFill>
+                <a:schemeClr val="bg1">
+                  <a:lumMod val="95000"/>
+                </a:schemeClr>
+              </a:solidFill>
+              <a:latin typeface="Garamond" panose="02020404030301010803" pitchFamily="18" charset="0"/>
+            </a:endParaRPr>
+          </a:p>
+          <a:p>
+            <a:pPr marL="857250" indent="-857250">
+              <a:buFont typeface="Arial" panose="020B0604020202020204" pitchFamily="34" charset="0"/>
+              <a:buChar char="•"/>
+            </a:pPr>
+            <a:endParaRPr lang="en-US" sz="4000" dirty="0">
+              <a:solidFill>
+                <a:schemeClr val="bg1">
+                  <a:lumMod val="95000"/>
+                </a:schemeClr>
+              </a:solidFill>
+              <a:latin typeface="Garamond" panose="02020404030301010803" pitchFamily="18" charset="0"/>
+            </a:endParaRPr>
+          </a:p>
+          <a:p>
+            <a:endParaRPr lang="en-US" sz="4000" dirty="0">
+              <a:solidFill>
+                <a:schemeClr val="bg1">
+                  <a:lumMod val="95000"/>
+                </a:schemeClr>
+              </a:solidFill>
+              <a:latin typeface="Garamond" panose="02020404030301010803" pitchFamily="18" charset="0"/>
+            </a:endParaRPr>
+          </a:p>
+          <a:p>
+            <a:pPr algn="ctr">
+              <a:lnSpc>
+                <a:spcPct val="150000"/>
+              </a:lnSpc>
+            </a:pPr>
             <a:r>
               <a:rPr lang="en-US" sz="6000" dirty="0">
                 <a:solidFill>
@@ -7322,14 +7583,59 @@
                 </a:solidFill>
                 <a:latin typeface="Garamond" panose="02020404030301010803" pitchFamily="18" charset="0"/>
               </a:rPr>
-              <a:t>What is it?</a:t>
-            </a:r>
-          </a:p>
-          <a:p>
-            <a:pPr marL="857250" indent="-857250">
+              <a:t>What will be learned?</a:t>
+            </a:r>
+            <a:endParaRPr lang="en-US" sz="3600" dirty="0">
+              <a:solidFill>
+                <a:schemeClr val="bg1"/>
+              </a:solidFill>
+              <a:latin typeface="Garamond" panose="02020404030301010803" pitchFamily="18" charset="0"/>
+            </a:endParaRPr>
+          </a:p>
+          <a:p>
+            <a:pPr marL="571500" indent="-571500">
               <a:buFont typeface="Arial" panose="020B0604020202020204" pitchFamily="34" charset="0"/>
               <a:buChar char="•"/>
             </a:pPr>
+            <a:r>
+              <a:rPr lang="en-US" sz="4000" dirty="0">
+                <a:solidFill>
+                  <a:schemeClr val="bg1"/>
+                </a:solidFill>
+                <a:latin typeface="Garamond" panose="02020404030301010803" pitchFamily="18" charset="0"/>
+              </a:rPr>
+              <a:t>Visualizing 2021 F1 data to observe trends using </a:t>
+            </a:r>
+            <a:r>
+              <a:rPr lang="en-US" sz="4000" dirty="0" err="1">
+                <a:solidFill>
+                  <a:schemeClr val="bg1"/>
+                </a:solidFill>
+                <a:latin typeface="Garamond" panose="02020404030301010803" pitchFamily="18" charset="0"/>
+              </a:rPr>
+              <a:t>ggplot</a:t>
+            </a:r>
+            <a:endParaRPr lang="en-US" sz="4000" dirty="0">
+              <a:solidFill>
+                <a:schemeClr val="bg1"/>
+              </a:solidFill>
+              <a:latin typeface="Garamond" panose="02020404030301010803" pitchFamily="18" charset="0"/>
+            </a:endParaRPr>
+          </a:p>
+          <a:p>
+            <a:pPr marL="571500" indent="-571500">
+              <a:buFont typeface="Arial" panose="020B0604020202020204" pitchFamily="34" charset="0"/>
+              <a:buChar char="•"/>
+            </a:pPr>
+            <a:r>
+              <a:rPr lang="en-US" sz="4000" dirty="0">
+                <a:solidFill>
+                  <a:schemeClr val="bg1"/>
+                </a:solidFill>
+                <a:latin typeface="Garamond" panose="02020404030301010803" pitchFamily="18" charset="0"/>
+              </a:rPr>
+              <a:t>Filtering data and creating graphs in order to see relationships between variables and for particular drivers. </a:t>
+            </a:r>
             <a:r>
               <a:rPr lang="en-US" sz="4000" dirty="0">
                 <a:solidFill>
@@ -7339,41 +7645,7 @@
                 </a:solidFill>
                 <a:latin typeface="Garamond" panose="02020404030301010803" pitchFamily="18" charset="0"/>
               </a:rPr>
-              <a:t>Motorsport that combines elite driving skill, strategic decision making, and cutting-edge technology.</a:t>
-            </a:r>
-          </a:p>
-          <a:p>
-            <a:pPr marL="857250" indent="-857250">
-              <a:buFont typeface="Arial" panose="020B0604020202020204" pitchFamily="34" charset="0"/>
-              <a:buChar char="•"/>
-            </a:pPr>
-            <a:r>
-              <a:rPr lang="en-US" sz="4000" dirty="0">
-                <a:solidFill>
-                  <a:schemeClr val="bg1">
-                    <a:lumMod val="95000"/>
-                  </a:schemeClr>
-                </a:solidFill>
-                <a:latin typeface="Garamond" panose="02020404030301010803" pitchFamily="18" charset="0"/>
-              </a:rPr>
-              <a:t>Drivers race in a series of Grand Prix around the world, competing for the FIA World Champtionship.</a:t>
-            </a:r>
-          </a:p>
-          <a:p>
-            <a:pPr marL="857250" indent="-857250">
-              <a:buFont typeface="Arial" panose="020B0604020202020204" pitchFamily="34" charset="0"/>
-              <a:buChar char="•"/>
-            </a:pPr>
-            <a:r>
-              <a:rPr lang="en-US" sz="4000" dirty="0">
-                <a:solidFill>
-                  <a:schemeClr val="bg1">
-                    <a:lumMod val="95000"/>
-                  </a:schemeClr>
-                </a:solidFill>
-                <a:latin typeface="Garamond" panose="02020404030301010803" pitchFamily="18" charset="0"/>
-              </a:rPr>
-              <a:t>Points are awarded based on finishing position at each race. The driver and constructor with the most points at the end of the season win the respective Championships. </a:t>
+              <a:t> </a:t>
             </a:r>
           </a:p>
           <a:p>
@@ -7392,10 +7664,10 @@
       </p:sp>
       <p:sp>
         <p:nvSpPr>
-          <p:cNvPr id="13" name="TextBox 12">
-            <a:extLst>
-              <a:ext uri="{FF2B5EF4-FFF2-40B4-BE49-F238E27FC236}">
-                <a16:creationId xmlns:a16="http://schemas.microsoft.com/office/drawing/2014/main" id="{E1B91D1E-FDC1-E15C-DD50-B575DFE7B87A}"/>
+          <p:cNvPr id="23" name="TextBox 22">
+            <a:extLst>
+              <a:ext uri="{FF2B5EF4-FFF2-40B4-BE49-F238E27FC236}">
+                <a16:creationId xmlns:a16="http://schemas.microsoft.com/office/drawing/2014/main" id="{3E16F991-3DD2-6300-9588-E810ECB15CF1}"/>
               </a:ext>
             </a:extLst>
           </p:cNvPr>
@@ -7404,8 +7676,8 @@
         </p:nvSpPr>
         <p:spPr>
           <a:xfrm>
-            <a:off x="15480728" y="25918295"/>
-            <a:ext cx="12842095" cy="3323987"/>
+            <a:off x="30143114" y="8617279"/>
+            <a:ext cx="5736365" cy="6247864"/>
           </a:xfrm>
           <a:prstGeom prst="rect">
             <a:avLst/>
@@ -7418,103 +7690,7 @@
           </a:bodyPr>
           <a:lstStyle/>
           <a:p>
-            <a:pPr algn="ctr">
-              <a:lnSpc>
-                <a:spcPct val="150000"/>
-              </a:lnSpc>
-            </a:pPr>
-            <a:r>
-              <a:rPr lang="en-US" sz="6000" dirty="0">
-                <a:solidFill>
-                  <a:schemeClr val="bg1"/>
-                </a:solidFill>
-                <a:latin typeface="Garamond" panose="02020404030301010803" pitchFamily="18" charset="0"/>
-              </a:rPr>
-              <a:t>What will be learned?</a:t>
-            </a:r>
-            <a:endParaRPr lang="en-US" sz="3600" dirty="0">
-              <a:solidFill>
-                <a:schemeClr val="bg1"/>
-              </a:solidFill>
-              <a:latin typeface="Garamond" panose="02020404030301010803" pitchFamily="18" charset="0"/>
-            </a:endParaRPr>
-          </a:p>
-          <a:p>
             <a:pPr marL="571500" indent="-571500">
-              <a:buFont typeface="Arial" panose="020B0604020202020204" pitchFamily="34" charset="0"/>
-              <a:buChar char="•"/>
-            </a:pPr>
-            <a:r>
-              <a:rPr lang="en-US" sz="4000" dirty="0">
-                <a:solidFill>
-                  <a:schemeClr val="bg1"/>
-                </a:solidFill>
-                <a:latin typeface="Garamond" panose="02020404030301010803" pitchFamily="18" charset="0"/>
-              </a:rPr>
-              <a:t>Visualizing 2021 F1 data to observe trends using </a:t>
-            </a:r>
-            <a:r>
-              <a:rPr lang="en-US" sz="4000" dirty="0" err="1">
-                <a:solidFill>
-                  <a:schemeClr val="bg1"/>
-                </a:solidFill>
-                <a:latin typeface="Garamond" panose="02020404030301010803" pitchFamily="18" charset="0"/>
-              </a:rPr>
-              <a:t>ggplot</a:t>
-            </a:r>
-            <a:endParaRPr lang="en-US" sz="4000" dirty="0">
-              <a:solidFill>
-                <a:schemeClr val="bg1"/>
-              </a:solidFill>
-              <a:latin typeface="Garamond" panose="02020404030301010803" pitchFamily="18" charset="0"/>
-            </a:endParaRPr>
-          </a:p>
-          <a:p>
-            <a:pPr marL="571500" indent="-571500">
-              <a:buFont typeface="Arial" panose="020B0604020202020204" pitchFamily="34" charset="0"/>
-              <a:buChar char="•"/>
-            </a:pPr>
-            <a:r>
-              <a:rPr lang="en-US" sz="4000" dirty="0">
-                <a:solidFill>
-                  <a:schemeClr val="bg1"/>
-                </a:solidFill>
-                <a:latin typeface="Garamond" panose="02020404030301010803" pitchFamily="18" charset="0"/>
-              </a:rPr>
-              <a:t>Filtering data and creating graphs in order to see relationships between variables and for particular drivers. </a:t>
-            </a:r>
-          </a:p>
-        </p:txBody>
-      </p:sp>
-      <p:sp>
-        <p:nvSpPr>
-          <p:cNvPr id="23" name="TextBox 22">
-            <a:extLst>
-              <a:ext uri="{FF2B5EF4-FFF2-40B4-BE49-F238E27FC236}">
-                <a16:creationId xmlns:a16="http://schemas.microsoft.com/office/drawing/2014/main" id="{3E16F991-3DD2-6300-9588-E810ECB15CF1}"/>
-              </a:ext>
-            </a:extLst>
-          </p:cNvPr>
-          <p:cNvSpPr txBox="1"/>
-          <p:nvPr/>
-        </p:nvSpPr>
-        <p:spPr>
-          <a:xfrm>
-            <a:off x="30143114" y="8617279"/>
-            <a:ext cx="5860125" cy="6863417"/>
-          </a:xfrm>
-          <a:prstGeom prst="rect">
-            <a:avLst/>
-          </a:prstGeom>
-          <a:noFill/>
-        </p:spPr>
-        <p:txBody>
-          <a:bodyPr wrap="square" rtlCol="0">
-            <a:spAutoFit/>
-          </a:bodyPr>
-          <a:lstStyle/>
-          <a:p>
-            <a:pPr marL="857250" indent="-857250">
               <a:buFont typeface="Arial" panose="020B0604020202020204" pitchFamily="34" charset="0"/>
               <a:buChar char="•"/>
             </a:pPr>
@@ -7529,7 +7705,7 @@
             </a:r>
           </a:p>
           <a:p>
-            <a:pPr marL="857250" indent="-857250">
+            <a:pPr marL="571500" indent="-571500">
               <a:buFont typeface="Arial" panose="020B0604020202020204" pitchFamily="34" charset="0"/>
               <a:buChar char="•"/>
             </a:pPr>
@@ -7544,7 +7720,7 @@
             </a:r>
           </a:p>
           <a:p>
-            <a:pPr marL="857250" indent="-857250">
+            <a:pPr marL="571500" indent="-571500">
               <a:buFont typeface="Arial" panose="020B0604020202020204" pitchFamily="34" charset="0"/>
               <a:buChar char="•"/>
             </a:pPr>
@@ -7582,7 +7758,7 @@
         </p:blipFill>
         <p:spPr>
           <a:xfrm>
-            <a:off x="20896404" y="29560968"/>
+            <a:off x="20881435" y="29391087"/>
             <a:ext cx="2113903" cy="2042487"/>
           </a:xfrm>
           <a:prstGeom prst="rect">
@@ -7619,8 +7795,8 @@
         </p:blipFill>
         <p:spPr bwMode="auto">
           <a:xfrm>
-            <a:off x="17576333" y="8714216"/>
-            <a:ext cx="8214886" cy="4600336"/>
+            <a:off x="17186565" y="8706329"/>
+            <a:ext cx="8666947" cy="4853490"/>
           </a:xfrm>
           <a:prstGeom prst="rect">
             <a:avLst/>
@@ -7659,7 +7835,7 @@
         </p:blipFill>
         <p:spPr>
           <a:xfrm>
-            <a:off x="35357522" y="15656258"/>
+            <a:off x="35210476" y="15656258"/>
             <a:ext cx="6953886" cy="4566211"/>
           </a:xfrm>
           <a:prstGeom prst="rect">
@@ -7689,8 +7865,8 @@
         </p:blipFill>
         <p:spPr>
           <a:xfrm>
-            <a:off x="36003239" y="8868406"/>
-            <a:ext cx="6284883" cy="5418281"/>
+            <a:off x="36015423" y="8846539"/>
+            <a:ext cx="6148939" cy="5301082"/>
           </a:xfrm>
           <a:prstGeom prst="rect">
             <a:avLst/>
@@ -7719,8 +7895,8 @@
         </p:blipFill>
         <p:spPr>
           <a:xfrm>
-            <a:off x="30174819" y="23569115"/>
-            <a:ext cx="10940523" cy="6580004"/>
+            <a:off x="30141202" y="23562416"/>
+            <a:ext cx="12023160" cy="7231139"/>
           </a:xfrm>
           <a:prstGeom prst="rect">
             <a:avLst/>
@@ -7749,7 +7925,7 @@
         </p:blipFill>
         <p:spPr>
           <a:xfrm>
-            <a:off x="16720306" y="19525506"/>
+            <a:off x="16710454" y="19771824"/>
             <a:ext cx="9926939" cy="5994395"/>
           </a:xfrm>
           <a:prstGeom prst="rect">
@@ -7779,7 +7955,7 @@
         </p:blipFill>
         <p:spPr>
           <a:xfrm>
-            <a:off x="3070977" y="12534394"/>
+            <a:off x="2617501" y="14912603"/>
             <a:ext cx="9149947" cy="5028492"/>
           </a:xfrm>
           <a:prstGeom prst="rect">
@@ -7916,7 +8092,7 @@
         <p:spPr>
           <a:xfrm>
             <a:off x="30174820" y="15624115"/>
-            <a:ext cx="5114712" cy="2831544"/>
+            <a:ext cx="4810508" cy="2831544"/>
           </a:xfrm>
           <a:prstGeom prst="rect">
             <a:avLst/>
@@ -7929,7 +8105,7 @@
           </a:bodyPr>
           <a:lstStyle/>
           <a:p>
-            <a:pPr marL="857250" indent="-857250">
+            <a:pPr marL="571500" indent="-571500">
               <a:buFont typeface="Arial" panose="020B0604020202020204" pitchFamily="34" charset="0"/>
               <a:buChar char="•"/>
             </a:pPr>
@@ -7948,6 +8124,81 @@
           </a:p>
         </p:txBody>
       </p:sp>
+      <p:sp>
+        <p:nvSpPr>
+          <p:cNvPr id="2" name="TextBox 1">
+            <a:extLst>
+              <a:ext uri="{FF2B5EF4-FFF2-40B4-BE49-F238E27FC236}">
+                <a16:creationId xmlns:a16="http://schemas.microsoft.com/office/drawing/2014/main" id="{CBACE8AF-F481-2A1B-9D57-88C9380134C8}"/>
+              </a:ext>
+            </a:extLst>
+          </p:cNvPr>
+          <p:cNvSpPr txBox="1"/>
+          <p:nvPr/>
+        </p:nvSpPr>
+        <p:spPr>
+          <a:xfrm>
+            <a:off x="19958037" y="31290098"/>
+            <a:ext cx="3990638" cy="677814"/>
+          </a:xfrm>
+          <a:prstGeom prst="rect">
+            <a:avLst/>
+          </a:prstGeom>
+          <a:noFill/>
+        </p:spPr>
+        <p:txBody>
+          <a:bodyPr wrap="square" rtlCol="0">
+            <a:spAutoFit/>
+          </a:bodyPr>
+          <a:lstStyle/>
+          <a:p>
+            <a:pPr>
+              <a:lnSpc>
+                <a:spcPct val="150000"/>
+              </a:lnSpc>
+            </a:pPr>
+            <a:r>
+              <a:rPr lang="en-US" sz="2800" dirty="0">
+                <a:solidFill>
+                  <a:schemeClr val="bg1"/>
+                </a:solidFill>
+                <a:latin typeface="Garamond" panose="02020404030301010803" pitchFamily="18" charset="0"/>
+              </a:rPr>
+              <a:t>QR code for this module  </a:t>
+            </a:r>
+          </a:p>
+        </p:txBody>
+      </p:sp>
+      <p:pic>
+        <p:nvPicPr>
+          <p:cNvPr id="7" name="Picture 6">
+            <a:extLst>
+              <a:ext uri="{FF2B5EF4-FFF2-40B4-BE49-F238E27FC236}">
+                <a16:creationId xmlns:a16="http://schemas.microsoft.com/office/drawing/2014/main" id="{A21D68DE-0C8E-9520-A9D9-F9D86C0010C2}"/>
+              </a:ext>
+            </a:extLst>
+          </p:cNvPr>
+          <p:cNvPicPr>
+            <a:picLocks noChangeAspect="1"/>
+          </p:cNvPicPr>
+          <p:nvPr/>
+        </p:nvPicPr>
+        <p:blipFill>
+          <a:blip r:embed="rId12"/>
+          <a:stretch>
+            <a:fillRect/>
+          </a:stretch>
+        </p:blipFill>
+        <p:spPr>
+          <a:xfrm>
+            <a:off x="36604316" y="2312452"/>
+            <a:ext cx="5286586" cy="1770010"/>
+          </a:xfrm>
+          <a:prstGeom prst="rect">
+            <a:avLst/>
+          </a:prstGeom>
+        </p:spPr>
+      </p:pic>
     </p:spTree>
     <p:extLst>
       <p:ext uri="{BB962C8B-B14F-4D97-AF65-F5344CB8AC3E}">

--- a/cgartner/F1/CGartner_F1_Poster.pptx
+++ b/cgartner/F1/CGartner_F1_Poster.pptx
@@ -144,12 +144,12 @@
   <pc:docChgLst>
     <pc:chgData name="Charles Gartner" userId="7744f2c7-8fe5-47ef-beea-e148d4ee2f5b" providerId="ADAL" clId="{8AA443A0-2101-744B-B4A7-33AB9F9CA50D}"/>
     <pc:docChg chg="undo custSel modSld">
-      <pc:chgData name="Charles Gartner" userId="7744f2c7-8fe5-47ef-beea-e148d4ee2f5b" providerId="ADAL" clId="{8AA443A0-2101-744B-B4A7-33AB9F9CA50D}" dt="2025-04-17T14:19:45.646" v="3857" actId="1076"/>
+      <pc:chgData name="Charles Gartner" userId="7744f2c7-8fe5-47ef-beea-e148d4ee2f5b" providerId="ADAL" clId="{8AA443A0-2101-744B-B4A7-33AB9F9CA50D}" dt="2025-04-17T14:28:51.651" v="3860" actId="1076"/>
       <pc:docMkLst>
         <pc:docMk/>
       </pc:docMkLst>
       <pc:sldChg chg="addSp delSp modSp mod modCm">
-        <pc:chgData name="Charles Gartner" userId="7744f2c7-8fe5-47ef-beea-e148d4ee2f5b" providerId="ADAL" clId="{8AA443A0-2101-744B-B4A7-33AB9F9CA50D}" dt="2025-04-17T14:19:45.646" v="3857" actId="1076"/>
+        <pc:chgData name="Charles Gartner" userId="7744f2c7-8fe5-47ef-beea-e148d4ee2f5b" providerId="ADAL" clId="{8AA443A0-2101-744B-B4A7-33AB9F9CA50D}" dt="2025-04-17T14:28:51.651" v="3860" actId="1076"/>
         <pc:sldMkLst>
           <pc:docMk/>
           <pc:sldMk cId="3774079583" sldId="256"/>
@@ -251,7 +251,7 @@
           </ac:spMkLst>
         </pc:spChg>
         <pc:spChg chg="add mod">
-          <ac:chgData name="Charles Gartner" userId="7744f2c7-8fe5-47ef-beea-e148d4ee2f5b" providerId="ADAL" clId="{8AA443A0-2101-744B-B4A7-33AB9F9CA50D}" dt="2025-04-15T13:59:07.723" v="1863" actId="20577"/>
+          <ac:chgData name="Charles Gartner" userId="7744f2c7-8fe5-47ef-beea-e148d4ee2f5b" providerId="ADAL" clId="{8AA443A0-2101-744B-B4A7-33AB9F9CA50D}" dt="2025-04-17T14:23:23.879" v="3858" actId="1076"/>
           <ac:spMkLst>
             <pc:docMk/>
             <pc:sldMk cId="3774079583" sldId="256"/>
@@ -395,7 +395,7 @@
           </ac:picMkLst>
         </pc:picChg>
         <pc:picChg chg="add mod">
-          <ac:chgData name="Charles Gartner" userId="7744f2c7-8fe5-47ef-beea-e148d4ee2f5b" providerId="ADAL" clId="{8AA443A0-2101-744B-B4A7-33AB9F9CA50D}" dt="2025-04-17T14:15:09.187" v="3832" actId="14100"/>
+          <ac:chgData name="Charles Gartner" userId="7744f2c7-8fe5-47ef-beea-e148d4ee2f5b" providerId="ADAL" clId="{8AA443A0-2101-744B-B4A7-33AB9F9CA50D}" dt="2025-04-17T14:28:51.651" v="3860" actId="1076"/>
           <ac:picMkLst>
             <pc:docMk/>
             <pc:sldMk cId="3774079583" sldId="256"/>
@@ -6571,7 +6571,7 @@
         </p:nvSpPr>
         <p:spPr bwMode="auto">
           <a:xfrm>
-            <a:off x="7645951" y="1178677"/>
+            <a:off x="8968537" y="1085747"/>
             <a:ext cx="25954126" cy="4324261"/>
           </a:xfrm>
           <a:prstGeom prst="rect">
@@ -7895,8 +7895,8 @@
         </p:blipFill>
         <p:spPr>
           <a:xfrm>
-            <a:off x="30141202" y="23562416"/>
-            <a:ext cx="12023160" cy="7231139"/>
+            <a:off x="30354979" y="23678092"/>
+            <a:ext cx="11320887" cy="6808768"/>
           </a:xfrm>
           <a:prstGeom prst="rect">
             <a:avLst/>

--- a/cgartner/F1/CGartner_F1_Poster.pptx
+++ b/cgartner/F1/CGartner_F1_Poster.pptx
@@ -144,12 +144,12 @@
   <pc:docChgLst>
     <pc:chgData name="Charles Gartner" userId="7744f2c7-8fe5-47ef-beea-e148d4ee2f5b" providerId="ADAL" clId="{8AA443A0-2101-744B-B4A7-33AB9F9CA50D}"/>
     <pc:docChg chg="undo custSel modSld">
-      <pc:chgData name="Charles Gartner" userId="7744f2c7-8fe5-47ef-beea-e148d4ee2f5b" providerId="ADAL" clId="{8AA443A0-2101-744B-B4A7-33AB9F9CA50D}" dt="2025-04-17T14:28:51.651" v="3860" actId="1076"/>
+      <pc:chgData name="Charles Gartner" userId="7744f2c7-8fe5-47ef-beea-e148d4ee2f5b" providerId="ADAL" clId="{8AA443A0-2101-744B-B4A7-33AB9F9CA50D}" dt="2025-04-17T14:30:18.511" v="3868" actId="20577"/>
       <pc:docMkLst>
         <pc:docMk/>
       </pc:docMkLst>
       <pc:sldChg chg="addSp delSp modSp mod modCm">
-        <pc:chgData name="Charles Gartner" userId="7744f2c7-8fe5-47ef-beea-e148d4ee2f5b" providerId="ADAL" clId="{8AA443A0-2101-744B-B4A7-33AB9F9CA50D}" dt="2025-04-17T14:28:51.651" v="3860" actId="1076"/>
+        <pc:chgData name="Charles Gartner" userId="7744f2c7-8fe5-47ef-beea-e148d4ee2f5b" providerId="ADAL" clId="{8AA443A0-2101-744B-B4A7-33AB9F9CA50D}" dt="2025-04-17T14:30:18.511" v="3868" actId="20577"/>
         <pc:sldMkLst>
           <pc:docMk/>
           <pc:sldMk cId="3774079583" sldId="256"/>
@@ -267,7 +267,7 @@
           </ac:spMkLst>
         </pc:spChg>
         <pc:spChg chg="add mod">
-          <ac:chgData name="Charles Gartner" userId="7744f2c7-8fe5-47ef-beea-e148d4ee2f5b" providerId="ADAL" clId="{8AA443A0-2101-744B-B4A7-33AB9F9CA50D}" dt="2025-04-17T14:17:26.471" v="3853" actId="14100"/>
+          <ac:chgData name="Charles Gartner" userId="7744f2c7-8fe5-47ef-beea-e148d4ee2f5b" providerId="ADAL" clId="{8AA443A0-2101-744B-B4A7-33AB9F9CA50D}" dt="2025-04-17T14:30:18.511" v="3868" actId="20577"/>
           <ac:spMkLst>
             <pc:docMk/>
             <pc:sldMk cId="3774079583" sldId="256"/>
@@ -395,7 +395,7 @@
           </ac:picMkLst>
         </pc:picChg>
         <pc:picChg chg="add mod">
-          <ac:chgData name="Charles Gartner" userId="7744f2c7-8fe5-47ef-beea-e148d4ee2f5b" providerId="ADAL" clId="{8AA443A0-2101-744B-B4A7-33AB9F9CA50D}" dt="2025-04-17T14:28:51.651" v="3860" actId="1076"/>
+          <ac:chgData name="Charles Gartner" userId="7744f2c7-8fe5-47ef-beea-e148d4ee2f5b" providerId="ADAL" clId="{8AA443A0-2101-744B-B4A7-33AB9F9CA50D}" dt="2025-04-17T14:30:06.787" v="3862" actId="1076"/>
           <ac:picMkLst>
             <pc:docMk/>
             <pc:sldMk cId="3774079583" sldId="256"/>
@@ -445,7 +445,7 @@
         <pc:extLst>
           <p:ext xmlns:p="http://schemas.openxmlformats.org/presentationml/2006/main" uri="{D6D511B9-2390-475A-947B-AFAB55BFBCF1}">
             <pc226:cmChg xmlns:pc226="http://schemas.microsoft.com/office/powerpoint/2022/06/main/command" chg="mod">
-              <pc226:chgData name="Charles Gartner" userId="7744f2c7-8fe5-47ef-beea-e148d4ee2f5b" providerId="ADAL" clId="{8AA443A0-2101-744B-B4A7-33AB9F9CA50D}" dt="2025-04-17T14:17:10.801" v="3852" actId="20577"/>
+              <pc226:chgData name="Charles Gartner" userId="7744f2c7-8fe5-47ef-beea-e148d4ee2f5b" providerId="ADAL" clId="{8AA443A0-2101-744B-B4A7-33AB9F9CA50D}" dt="2025-04-17T14:30:18.511" v="3868" actId="20577"/>
               <pc2:cmMkLst xmlns:pc2="http://schemas.microsoft.com/office/powerpoint/2019/9/main/command">
                 <pc:docMk/>
                 <pc:sldMk cId="3774079583" sldId="256"/>
@@ -476,7 +476,7 @@
       <pc:sldMk xmlns:pc="http://schemas.microsoft.com/office/powerpoint/2013/main/command" cId="3774079583" sldId="256"/>
       <ac:spMk id="39" creationId="{D513D7DC-86D1-F0F1-C9DF-EC5A3536ED48}"/>
       <ac:txMk cp="0" len="164">
-        <ac:context len="755" hash="329730034"/>
+        <ac:context len="755" hash="545914948"/>
       </ac:txMk>
     </ac:txMkLst>
     <p188:pos x="12115403" y="738994"/>
@@ -6879,13 +6879,22 @@
               <a:buChar char="•"/>
             </a:pPr>
             <a:r>
+              <a:rPr lang="en-US" sz="4000">
+                <a:solidFill>
+                  <a:schemeClr val="bg1"/>
+                </a:solidFill>
+                <a:latin typeface="Garamond" panose="02020404030301010803" pitchFamily="18" charset="0"/>
+              </a:rPr>
+              <a:t>Collaboration </a:t>
+            </a:r>
+            <a:r>
               <a:rPr lang="en-US" sz="4000" dirty="0">
                 <a:solidFill>
                   <a:schemeClr val="bg1"/>
                 </a:solidFill>
                 <a:latin typeface="Garamond" panose="02020404030301010803" pitchFamily="18" charset="0"/>
               </a:rPr>
-              <a:t>Collaborators in the SCORE Network allows for practice with finding and wrangling data, making regressions, visualizations, etc. that are then shared in the form of a module to further student learning. </a:t>
+              <a:t>in the SCORE Network allows for practice with finding and wrangling data, making regressions, visualizations, etc. that are then shared in the form of a module to further student learning. </a:t>
             </a:r>
           </a:p>
           <a:p>
@@ -7895,7 +7904,7 @@
         </p:blipFill>
         <p:spPr>
           <a:xfrm>
-            <a:off x="30354979" y="23678092"/>
+            <a:off x="30492182" y="23603562"/>
             <a:ext cx="11320887" cy="6808768"/>
           </a:xfrm>
           <a:prstGeom prst="rect">

--- a/cgartner/F1/CGartner_F1_Poster.pptx
+++ b/cgartner/F1/CGartner_F1_Poster.pptx
@@ -144,12 +144,12 @@
   <pc:docChgLst>
     <pc:chgData name="Charles Gartner" userId="7744f2c7-8fe5-47ef-beea-e148d4ee2f5b" providerId="ADAL" clId="{8AA443A0-2101-744B-B4A7-33AB9F9CA50D}"/>
     <pc:docChg chg="undo custSel modSld">
-      <pc:chgData name="Charles Gartner" userId="7744f2c7-8fe5-47ef-beea-e148d4ee2f5b" providerId="ADAL" clId="{8AA443A0-2101-744B-B4A7-33AB9F9CA50D}" dt="2025-04-17T14:30:18.511" v="3868" actId="20577"/>
+      <pc:chgData name="Charles Gartner" userId="7744f2c7-8fe5-47ef-beea-e148d4ee2f5b" providerId="ADAL" clId="{8AA443A0-2101-744B-B4A7-33AB9F9CA50D}" dt="2025-04-17T14:34:16.113" v="3869" actId="20577"/>
       <pc:docMkLst>
         <pc:docMk/>
       </pc:docMkLst>
       <pc:sldChg chg="addSp delSp modSp mod modCm">
-        <pc:chgData name="Charles Gartner" userId="7744f2c7-8fe5-47ef-beea-e148d4ee2f5b" providerId="ADAL" clId="{8AA443A0-2101-744B-B4A7-33AB9F9CA50D}" dt="2025-04-17T14:30:18.511" v="3868" actId="20577"/>
+        <pc:chgData name="Charles Gartner" userId="7744f2c7-8fe5-47ef-beea-e148d4ee2f5b" providerId="ADAL" clId="{8AA443A0-2101-744B-B4A7-33AB9F9CA50D}" dt="2025-04-17T14:34:16.113" v="3869" actId="20577"/>
         <pc:sldMkLst>
           <pc:docMk/>
           <pc:sldMk cId="3774079583" sldId="256"/>
@@ -219,7 +219,7 @@
           </ac:spMkLst>
         </pc:spChg>
         <pc:spChg chg="add mod">
-          <ac:chgData name="Charles Gartner" userId="7744f2c7-8fe5-47ef-beea-e148d4ee2f5b" providerId="ADAL" clId="{8AA443A0-2101-744B-B4A7-33AB9F9CA50D}" dt="2025-04-17T14:14:38.766" v="3828" actId="14100"/>
+          <ac:chgData name="Charles Gartner" userId="7744f2c7-8fe5-47ef-beea-e148d4ee2f5b" providerId="ADAL" clId="{8AA443A0-2101-744B-B4A7-33AB9F9CA50D}" dt="2025-04-17T14:34:16.113" v="3869" actId="20577"/>
           <ac:spMkLst>
             <pc:docMk/>
             <pc:sldMk cId="3774079583" sldId="256"/>
@@ -6879,22 +6879,13 @@
               <a:buChar char="•"/>
             </a:pPr>
             <a:r>
-              <a:rPr lang="en-US" sz="4000">
-                <a:solidFill>
-                  <a:schemeClr val="bg1"/>
-                </a:solidFill>
-                <a:latin typeface="Garamond" panose="02020404030301010803" pitchFamily="18" charset="0"/>
-              </a:rPr>
-              <a:t>Collaboration </a:t>
-            </a:r>
-            <a:r>
               <a:rPr lang="en-US" sz="4000" dirty="0">
                 <a:solidFill>
                   <a:schemeClr val="bg1"/>
                 </a:solidFill>
                 <a:latin typeface="Garamond" panose="02020404030301010803" pitchFamily="18" charset="0"/>
               </a:rPr>
-              <a:t>in the SCORE Network allows for practice with finding and wrangling data, making regressions, visualizations, etc. that are then shared in the form of a module to further student learning. </a:t>
+              <a:t>Collaboration in the SCORE Network allows for practice with finding and wrangling data, making regressions, visualizations, etc. that are then shared in the form of a module to further student learning. </a:t>
             </a:r>
           </a:p>
           <a:p>
@@ -7725,7 +7716,7 @@
                 </a:solidFill>
                 <a:latin typeface="Garamond" panose="02020404030301010803" pitchFamily="18" charset="0"/>
               </a:rPr>
-              <a:t>Filtered out for only the 2021 season with the divers that  competed during that season. </a:t>
+              <a:t>Filtered out for only the 2021 season with the divers that competed during that season. </a:t>
             </a:r>
           </a:p>
           <a:p>
